--- a/JAVASCRIPT.pptx
+++ b/JAVASCRIPT.pptx
@@ -4,6 +4,9 @@
   <p:sldMasterIdLst>
     <p:sldMasterId id="2147483648" r:id="rId1"/>
   </p:sldMasterIdLst>
+  <p:notesMasterIdLst>
+    <p:notesMasterId r:id="rId22"/>
+  </p:notesMasterIdLst>
   <p:sldIdLst>
     <p:sldId id="256" r:id="rId2"/>
     <p:sldId id="257" r:id="rId3"/>
@@ -23,6 +26,8 @@
     <p:sldId id="270" r:id="rId17"/>
     <p:sldId id="271" r:id="rId18"/>
     <p:sldId id="272" r:id="rId19"/>
+    <p:sldId id="274" r:id="rId20"/>
+    <p:sldId id="275" r:id="rId21"/>
   </p:sldIdLst>
   <p:sldSz cx="9144000" cy="6858000" type="screen4x3"/>
   <p:notesSz cx="6858000" cy="9144000"/>
@@ -140,6 +145,440 @@
 </p:presentation>
 </file>
 
+<file path=ppt/notesMasters/notesMaster1.xml><?xml version="1.0" encoding="utf-8"?>
+<p:notesMaster xmlns:a="http://schemas.openxmlformats.org/drawingml/2006/main" xmlns:r="http://schemas.openxmlformats.org/officeDocument/2006/relationships" xmlns:p="http://schemas.openxmlformats.org/presentationml/2006/main">
+  <p:cSld>
+    <p:bg>
+      <p:bgRef idx="1001">
+        <a:schemeClr val="bg1"/>
+      </p:bgRef>
+    </p:bg>
+    <p:spTree>
+      <p:nvGrpSpPr>
+        <p:cNvPr id="1" name=""/>
+        <p:cNvGrpSpPr/>
+        <p:nvPr/>
+      </p:nvGrpSpPr>
+      <p:grpSpPr>
+        <a:xfrm>
+          <a:off x="0" y="0"/>
+          <a:ext cx="0" cy="0"/>
+          <a:chOff x="0" y="0"/>
+          <a:chExt cx="0" cy="0"/>
+        </a:xfrm>
+      </p:grpSpPr>
+      <p:sp>
+        <p:nvSpPr>
+          <p:cNvPr id="2" name="Header Placeholder 1"/>
+          <p:cNvSpPr>
+            <a:spLocks noGrp="1"/>
+          </p:cNvSpPr>
+          <p:nvPr>
+            <p:ph type="hdr" sz="quarter"/>
+          </p:nvPr>
+        </p:nvSpPr>
+        <p:spPr>
+          <a:xfrm>
+            <a:off x="0" y="0"/>
+            <a:ext cx="2971800" cy="458788"/>
+          </a:xfrm>
+          <a:prstGeom prst="rect">
+            <a:avLst/>
+          </a:prstGeom>
+        </p:spPr>
+        <p:txBody>
+          <a:bodyPr vert="horz" lIns="91440" tIns="45720" rIns="91440" bIns="45720" rtlCol="0"/>
+          <a:lstStyle>
+            <a:lvl1pPr algn="l">
+              <a:defRPr sz="1200"/>
+            </a:lvl1pPr>
+          </a:lstStyle>
+          <a:p>
+            <a:endParaRPr lang="en-IN"/>
+          </a:p>
+        </p:txBody>
+      </p:sp>
+      <p:sp>
+        <p:nvSpPr>
+          <p:cNvPr id="3" name="Date Placeholder 2"/>
+          <p:cNvSpPr>
+            <a:spLocks noGrp="1"/>
+          </p:cNvSpPr>
+          <p:nvPr>
+            <p:ph type="dt" idx="1"/>
+          </p:nvPr>
+        </p:nvSpPr>
+        <p:spPr>
+          <a:xfrm>
+            <a:off x="3884613" y="0"/>
+            <a:ext cx="2971800" cy="458788"/>
+          </a:xfrm>
+          <a:prstGeom prst="rect">
+            <a:avLst/>
+          </a:prstGeom>
+        </p:spPr>
+        <p:txBody>
+          <a:bodyPr vert="horz" lIns="91440" tIns="45720" rIns="91440" bIns="45720" rtlCol="0"/>
+          <a:lstStyle>
+            <a:lvl1pPr algn="r">
+              <a:defRPr sz="1200"/>
+            </a:lvl1pPr>
+          </a:lstStyle>
+          <a:p>
+            <a:fld id="{8BEBEA06-B072-4B38-B7EE-1D1E01702BAC}" type="datetimeFigureOut">
+              <a:rPr lang="en-IN" smtClean="0"/>
+              <a:t>10-05-2023</a:t>
+            </a:fld>
+            <a:endParaRPr lang="en-IN"/>
+          </a:p>
+        </p:txBody>
+      </p:sp>
+      <p:sp>
+        <p:nvSpPr>
+          <p:cNvPr id="4" name="Slide Image Placeholder 3"/>
+          <p:cNvSpPr>
+            <a:spLocks noGrp="1" noRot="1" noChangeAspect="1"/>
+          </p:cNvSpPr>
+          <p:nvPr>
+            <p:ph type="sldImg" idx="2"/>
+          </p:nvPr>
+        </p:nvSpPr>
+        <p:spPr>
+          <a:xfrm>
+            <a:off x="1371600" y="1143000"/>
+            <a:ext cx="4114800" cy="3086100"/>
+          </a:xfrm>
+          <a:prstGeom prst="rect">
+            <a:avLst/>
+          </a:prstGeom>
+          <a:noFill/>
+          <a:ln w="12700">
+            <a:solidFill>
+              <a:prstClr val="black"/>
+            </a:solidFill>
+          </a:ln>
+        </p:spPr>
+        <p:txBody>
+          <a:bodyPr vert="horz" lIns="91440" tIns="45720" rIns="91440" bIns="45720" rtlCol="0" anchor="ctr"/>
+          <a:lstStyle/>
+          <a:p>
+            <a:endParaRPr lang="en-IN"/>
+          </a:p>
+        </p:txBody>
+      </p:sp>
+      <p:sp>
+        <p:nvSpPr>
+          <p:cNvPr id="5" name="Notes Placeholder 4"/>
+          <p:cNvSpPr>
+            <a:spLocks noGrp="1"/>
+          </p:cNvSpPr>
+          <p:nvPr>
+            <p:ph type="body" sz="quarter" idx="3"/>
+          </p:nvPr>
+        </p:nvSpPr>
+        <p:spPr>
+          <a:xfrm>
+            <a:off x="685800" y="4400550"/>
+            <a:ext cx="5486400" cy="3600450"/>
+          </a:xfrm>
+          <a:prstGeom prst="rect">
+            <a:avLst/>
+          </a:prstGeom>
+        </p:spPr>
+        <p:txBody>
+          <a:bodyPr vert="horz" lIns="91440" tIns="45720" rIns="91440" bIns="45720" rtlCol="0"/>
+          <a:lstStyle/>
+          <a:p>
+            <a:pPr lvl="0"/>
+            <a:r>
+              <a:rPr lang="en-US"/>
+              <a:t>Click to edit Master text styles</a:t>
+            </a:r>
+          </a:p>
+          <a:p>
+            <a:pPr lvl="1"/>
+            <a:r>
+              <a:rPr lang="en-US"/>
+              <a:t>Second level</a:t>
+            </a:r>
+          </a:p>
+          <a:p>
+            <a:pPr lvl="2"/>
+            <a:r>
+              <a:rPr lang="en-US"/>
+              <a:t>Third level</a:t>
+            </a:r>
+          </a:p>
+          <a:p>
+            <a:pPr lvl="3"/>
+            <a:r>
+              <a:rPr lang="en-US"/>
+              <a:t>Fourth level</a:t>
+            </a:r>
+          </a:p>
+          <a:p>
+            <a:pPr lvl="4"/>
+            <a:r>
+              <a:rPr lang="en-US"/>
+              <a:t>Fifth level</a:t>
+            </a:r>
+            <a:endParaRPr lang="en-IN"/>
+          </a:p>
+        </p:txBody>
+      </p:sp>
+      <p:sp>
+        <p:nvSpPr>
+          <p:cNvPr id="6" name="Footer Placeholder 5"/>
+          <p:cNvSpPr>
+            <a:spLocks noGrp="1"/>
+          </p:cNvSpPr>
+          <p:nvPr>
+            <p:ph type="ftr" sz="quarter" idx="4"/>
+          </p:nvPr>
+        </p:nvSpPr>
+        <p:spPr>
+          <a:xfrm>
+            <a:off x="0" y="8685213"/>
+            <a:ext cx="2971800" cy="458787"/>
+          </a:xfrm>
+          <a:prstGeom prst="rect">
+            <a:avLst/>
+          </a:prstGeom>
+        </p:spPr>
+        <p:txBody>
+          <a:bodyPr vert="horz" lIns="91440" tIns="45720" rIns="91440" bIns="45720" rtlCol="0" anchor="b"/>
+          <a:lstStyle>
+            <a:lvl1pPr algn="l">
+              <a:defRPr sz="1200"/>
+            </a:lvl1pPr>
+          </a:lstStyle>
+          <a:p>
+            <a:endParaRPr lang="en-IN"/>
+          </a:p>
+        </p:txBody>
+      </p:sp>
+      <p:sp>
+        <p:nvSpPr>
+          <p:cNvPr id="7" name="Slide Number Placeholder 6"/>
+          <p:cNvSpPr>
+            <a:spLocks noGrp="1"/>
+          </p:cNvSpPr>
+          <p:nvPr>
+            <p:ph type="sldNum" sz="quarter" idx="5"/>
+          </p:nvPr>
+        </p:nvSpPr>
+        <p:spPr>
+          <a:xfrm>
+            <a:off x="3884613" y="8685213"/>
+            <a:ext cx="2971800" cy="458787"/>
+          </a:xfrm>
+          <a:prstGeom prst="rect">
+            <a:avLst/>
+          </a:prstGeom>
+        </p:spPr>
+        <p:txBody>
+          <a:bodyPr vert="horz" lIns="91440" tIns="45720" rIns="91440" bIns="45720" rtlCol="0" anchor="b"/>
+          <a:lstStyle>
+            <a:lvl1pPr algn="r">
+              <a:defRPr sz="1200"/>
+            </a:lvl1pPr>
+          </a:lstStyle>
+          <a:p>
+            <a:fld id="{48F08BC2-0A28-4BA6-8D7B-BF7FBA7A115A}" type="slidenum">
+              <a:rPr lang="en-IN" smtClean="0"/>
+              <a:t>‹#›</a:t>
+            </a:fld>
+            <a:endParaRPr lang="en-IN"/>
+          </a:p>
+        </p:txBody>
+      </p:sp>
+    </p:spTree>
+    <p:extLst>
+      <p:ext uri="{BB962C8B-B14F-4D97-AF65-F5344CB8AC3E}">
+        <p14:creationId xmlns:p14="http://schemas.microsoft.com/office/powerpoint/2010/main" val="3079042940"/>
+      </p:ext>
+    </p:extLst>
+  </p:cSld>
+  <p:clrMap bg1="lt1" tx1="dk1" bg2="lt2" tx2="dk2" accent1="accent1" accent2="accent2" accent3="accent3" accent4="accent4" accent5="accent5" accent6="accent6" hlink="hlink" folHlink="folHlink"/>
+  <p:notesStyle>
+    <a:lvl1pPr marL="0" algn="l" defTabSz="914400" rtl="0" eaLnBrk="1" latinLnBrk="0" hangingPunct="1">
+      <a:defRPr sz="1200" kern="1200">
+        <a:solidFill>
+          <a:schemeClr val="tx1"/>
+        </a:solidFill>
+        <a:latin typeface="+mn-lt"/>
+        <a:ea typeface="+mn-ea"/>
+        <a:cs typeface="+mn-cs"/>
+      </a:defRPr>
+    </a:lvl1pPr>
+    <a:lvl2pPr marL="457200" algn="l" defTabSz="914400" rtl="0" eaLnBrk="1" latinLnBrk="0" hangingPunct="1">
+      <a:defRPr sz="1200" kern="1200">
+        <a:solidFill>
+          <a:schemeClr val="tx1"/>
+        </a:solidFill>
+        <a:latin typeface="+mn-lt"/>
+        <a:ea typeface="+mn-ea"/>
+        <a:cs typeface="+mn-cs"/>
+      </a:defRPr>
+    </a:lvl2pPr>
+    <a:lvl3pPr marL="914400" algn="l" defTabSz="914400" rtl="0" eaLnBrk="1" latinLnBrk="0" hangingPunct="1">
+      <a:defRPr sz="1200" kern="1200">
+        <a:solidFill>
+          <a:schemeClr val="tx1"/>
+        </a:solidFill>
+        <a:latin typeface="+mn-lt"/>
+        <a:ea typeface="+mn-ea"/>
+        <a:cs typeface="+mn-cs"/>
+      </a:defRPr>
+    </a:lvl3pPr>
+    <a:lvl4pPr marL="1371600" algn="l" defTabSz="914400" rtl="0" eaLnBrk="1" latinLnBrk="0" hangingPunct="1">
+      <a:defRPr sz="1200" kern="1200">
+        <a:solidFill>
+          <a:schemeClr val="tx1"/>
+        </a:solidFill>
+        <a:latin typeface="+mn-lt"/>
+        <a:ea typeface="+mn-ea"/>
+        <a:cs typeface="+mn-cs"/>
+      </a:defRPr>
+    </a:lvl4pPr>
+    <a:lvl5pPr marL="1828800" algn="l" defTabSz="914400" rtl="0" eaLnBrk="1" latinLnBrk="0" hangingPunct="1">
+      <a:defRPr sz="1200" kern="1200">
+        <a:solidFill>
+          <a:schemeClr val="tx1"/>
+        </a:solidFill>
+        <a:latin typeface="+mn-lt"/>
+        <a:ea typeface="+mn-ea"/>
+        <a:cs typeface="+mn-cs"/>
+      </a:defRPr>
+    </a:lvl5pPr>
+    <a:lvl6pPr marL="2286000" algn="l" defTabSz="914400" rtl="0" eaLnBrk="1" latinLnBrk="0" hangingPunct="1">
+      <a:defRPr sz="1200" kern="1200">
+        <a:solidFill>
+          <a:schemeClr val="tx1"/>
+        </a:solidFill>
+        <a:latin typeface="+mn-lt"/>
+        <a:ea typeface="+mn-ea"/>
+        <a:cs typeface="+mn-cs"/>
+      </a:defRPr>
+    </a:lvl6pPr>
+    <a:lvl7pPr marL="2743200" algn="l" defTabSz="914400" rtl="0" eaLnBrk="1" latinLnBrk="0" hangingPunct="1">
+      <a:defRPr sz="1200" kern="1200">
+        <a:solidFill>
+          <a:schemeClr val="tx1"/>
+        </a:solidFill>
+        <a:latin typeface="+mn-lt"/>
+        <a:ea typeface="+mn-ea"/>
+        <a:cs typeface="+mn-cs"/>
+      </a:defRPr>
+    </a:lvl7pPr>
+    <a:lvl8pPr marL="3200400" algn="l" defTabSz="914400" rtl="0" eaLnBrk="1" latinLnBrk="0" hangingPunct="1">
+      <a:defRPr sz="1200" kern="1200">
+        <a:solidFill>
+          <a:schemeClr val="tx1"/>
+        </a:solidFill>
+        <a:latin typeface="+mn-lt"/>
+        <a:ea typeface="+mn-ea"/>
+        <a:cs typeface="+mn-cs"/>
+      </a:defRPr>
+    </a:lvl8pPr>
+    <a:lvl9pPr marL="3657600" algn="l" defTabSz="914400" rtl="0" eaLnBrk="1" latinLnBrk="0" hangingPunct="1">
+      <a:defRPr sz="1200" kern="1200">
+        <a:solidFill>
+          <a:schemeClr val="tx1"/>
+        </a:solidFill>
+        <a:latin typeface="+mn-lt"/>
+        <a:ea typeface="+mn-ea"/>
+        <a:cs typeface="+mn-cs"/>
+      </a:defRPr>
+    </a:lvl9pPr>
+  </p:notesStyle>
+</p:notesMaster>
+</file>
+
+<file path=ppt/notesSlides/notesSlide1.xml><?xml version="1.0" encoding="utf-8"?>
+<p:notes xmlns:a="http://schemas.openxmlformats.org/drawingml/2006/main" xmlns:r="http://schemas.openxmlformats.org/officeDocument/2006/relationships" xmlns:p="http://schemas.openxmlformats.org/presentationml/2006/main">
+  <p:cSld>
+    <p:spTree>
+      <p:nvGrpSpPr>
+        <p:cNvPr id="1" name=""/>
+        <p:cNvGrpSpPr/>
+        <p:nvPr/>
+      </p:nvGrpSpPr>
+      <p:grpSpPr>
+        <a:xfrm>
+          <a:off x="0" y="0"/>
+          <a:ext cx="0" cy="0"/>
+          <a:chOff x="0" y="0"/>
+          <a:chExt cx="0" cy="0"/>
+        </a:xfrm>
+      </p:grpSpPr>
+      <p:sp>
+        <p:nvSpPr>
+          <p:cNvPr id="2" name="Slide Image Placeholder 1"/>
+          <p:cNvSpPr>
+            <a:spLocks noGrp="1" noRot="1" noChangeAspect="1"/>
+          </p:cNvSpPr>
+          <p:nvPr>
+            <p:ph type="sldImg"/>
+          </p:nvPr>
+        </p:nvSpPr>
+        <p:spPr/>
+      </p:sp>
+      <p:sp>
+        <p:nvSpPr>
+          <p:cNvPr id="3" name="Notes Placeholder 2"/>
+          <p:cNvSpPr>
+            <a:spLocks noGrp="1"/>
+          </p:cNvSpPr>
+          <p:nvPr>
+            <p:ph type="body" idx="1"/>
+          </p:nvPr>
+        </p:nvSpPr>
+        <p:spPr/>
+        <p:txBody>
+          <a:bodyPr/>
+          <a:lstStyle/>
+          <a:p>
+            <a:endParaRPr lang="en-IN" dirty="0"/>
+          </a:p>
+        </p:txBody>
+      </p:sp>
+      <p:sp>
+        <p:nvSpPr>
+          <p:cNvPr id="4" name="Slide Number Placeholder 3"/>
+          <p:cNvSpPr>
+            <a:spLocks noGrp="1"/>
+          </p:cNvSpPr>
+          <p:nvPr>
+            <p:ph type="sldNum" sz="quarter" idx="5"/>
+          </p:nvPr>
+        </p:nvSpPr>
+        <p:spPr/>
+        <p:txBody>
+          <a:bodyPr/>
+          <a:lstStyle/>
+          <a:p>
+            <a:fld id="{48F08BC2-0A28-4BA6-8D7B-BF7FBA7A115A}" type="slidenum">
+              <a:rPr lang="en-IN" smtClean="0"/>
+              <a:t>19</a:t>
+            </a:fld>
+            <a:endParaRPr lang="en-IN"/>
+          </a:p>
+        </p:txBody>
+      </p:sp>
+    </p:spTree>
+    <p:extLst>
+      <p:ext uri="{BB962C8B-B14F-4D97-AF65-F5344CB8AC3E}">
+        <p14:creationId xmlns:p14="http://schemas.microsoft.com/office/powerpoint/2010/main" val="1774806980"/>
+      </p:ext>
+    </p:extLst>
+  </p:cSld>
+  <p:clrMapOvr>
+    <a:masterClrMapping/>
+  </p:clrMapOvr>
+</p:notes>
+</file>
+
 <file path=ppt/slideLayouts/slideLayout1.xml><?xml version="1.0" encoding="utf-8"?>
 <p:sldLayout xmlns:a="http://schemas.openxmlformats.org/drawingml/2006/main" xmlns:r="http://schemas.openxmlformats.org/officeDocument/2006/relationships" xmlns:p="http://schemas.openxmlformats.org/presentationml/2006/main" type="title" preserve="1">
   <p:cSld name="Title Slide">
@@ -321,7 +760,7 @@
           <a:p>
             <a:fld id="{1A179692-B060-407F-8DBF-BC9925912896}" type="datetimeFigureOut">
               <a:rPr lang="en-IN" smtClean="0"/>
-              <a:t>20-03-2023</a:t>
+              <a:t>10-05-2023</a:t>
             </a:fld>
             <a:endParaRPr lang="en-IN"/>
           </a:p>
@@ -491,7 +930,7 @@
           <a:p>
             <a:fld id="{1A179692-B060-407F-8DBF-BC9925912896}" type="datetimeFigureOut">
               <a:rPr lang="en-IN" smtClean="0"/>
-              <a:t>20-03-2023</a:t>
+              <a:t>10-05-2023</a:t>
             </a:fld>
             <a:endParaRPr lang="en-IN"/>
           </a:p>
@@ -671,7 +1110,7 @@
           <a:p>
             <a:fld id="{1A179692-B060-407F-8DBF-BC9925912896}" type="datetimeFigureOut">
               <a:rPr lang="en-IN" smtClean="0"/>
-              <a:t>20-03-2023</a:t>
+              <a:t>10-05-2023</a:t>
             </a:fld>
             <a:endParaRPr lang="en-IN"/>
           </a:p>
@@ -841,7 +1280,7 @@
           <a:p>
             <a:fld id="{1A179692-B060-407F-8DBF-BC9925912896}" type="datetimeFigureOut">
               <a:rPr lang="en-IN" smtClean="0"/>
-              <a:t>20-03-2023</a:t>
+              <a:t>10-05-2023</a:t>
             </a:fld>
             <a:endParaRPr lang="en-IN"/>
           </a:p>
@@ -1087,7 +1526,7 @@
           <a:p>
             <a:fld id="{1A179692-B060-407F-8DBF-BC9925912896}" type="datetimeFigureOut">
               <a:rPr lang="en-IN" smtClean="0"/>
-              <a:t>20-03-2023</a:t>
+              <a:t>10-05-2023</a:t>
             </a:fld>
             <a:endParaRPr lang="en-IN"/>
           </a:p>
@@ -1375,7 +1814,7 @@
           <a:p>
             <a:fld id="{1A179692-B060-407F-8DBF-BC9925912896}" type="datetimeFigureOut">
               <a:rPr lang="en-IN" smtClean="0"/>
-              <a:t>20-03-2023</a:t>
+              <a:t>10-05-2023</a:t>
             </a:fld>
             <a:endParaRPr lang="en-IN"/>
           </a:p>
@@ -1797,7 +2236,7 @@
           <a:p>
             <a:fld id="{1A179692-B060-407F-8DBF-BC9925912896}" type="datetimeFigureOut">
               <a:rPr lang="en-IN" smtClean="0"/>
-              <a:t>20-03-2023</a:t>
+              <a:t>10-05-2023</a:t>
             </a:fld>
             <a:endParaRPr lang="en-IN"/>
           </a:p>
@@ -1915,7 +2354,7 @@
           <a:p>
             <a:fld id="{1A179692-B060-407F-8DBF-BC9925912896}" type="datetimeFigureOut">
               <a:rPr lang="en-IN" smtClean="0"/>
-              <a:t>20-03-2023</a:t>
+              <a:t>10-05-2023</a:t>
             </a:fld>
             <a:endParaRPr lang="en-IN"/>
           </a:p>
@@ -2010,7 +2449,7 @@
           <a:p>
             <a:fld id="{1A179692-B060-407F-8DBF-BC9925912896}" type="datetimeFigureOut">
               <a:rPr lang="en-IN" smtClean="0"/>
-              <a:t>20-03-2023</a:t>
+              <a:t>10-05-2023</a:t>
             </a:fld>
             <a:endParaRPr lang="en-IN"/>
           </a:p>
@@ -2287,7 +2726,7 @@
           <a:p>
             <a:fld id="{1A179692-B060-407F-8DBF-BC9925912896}" type="datetimeFigureOut">
               <a:rPr lang="en-IN" smtClean="0"/>
-              <a:t>20-03-2023</a:t>
+              <a:t>10-05-2023</a:t>
             </a:fld>
             <a:endParaRPr lang="en-IN"/>
           </a:p>
@@ -2540,7 +2979,7 @@
           <a:p>
             <a:fld id="{1A179692-B060-407F-8DBF-BC9925912896}" type="datetimeFigureOut">
               <a:rPr lang="en-IN" smtClean="0"/>
-              <a:t>20-03-2023</a:t>
+              <a:t>10-05-2023</a:t>
             </a:fld>
             <a:endParaRPr lang="en-IN"/>
           </a:p>
@@ -2753,7 +3192,7 @@
           <a:p>
             <a:fld id="{1A179692-B060-407F-8DBF-BC9925912896}" type="datetimeFigureOut">
               <a:rPr lang="en-IN" smtClean="0"/>
-              <a:t>20-03-2023</a:t>
+              <a:t>10-05-2023</a:t>
             </a:fld>
             <a:endParaRPr lang="en-IN"/>
           </a:p>
@@ -3744,13 +4183,257 @@
         </p:nvSpPr>
         <p:spPr/>
         <p:txBody>
-          <a:bodyPr/>
+          <a:bodyPr>
+            <a:normAutofit fontScale="70000" lnSpcReduction="20000"/>
+          </a:bodyPr>
           <a:lstStyle/>
           <a:p>
             <a:r>
               <a:rPr lang="en-US" dirty="0"/>
               <a:t>In JavaScript, this event can apply to launch a particular function when the page is fully displayed. It can also be used to verify the type and version of the visitor's browser.</a:t>
             </a:r>
+          </a:p>
+          <a:p>
+            <a:pPr marL="0" indent="0">
+              <a:buNone/>
+            </a:pPr>
+            <a:endParaRPr lang="en-US" dirty="0"/>
+          </a:p>
+          <a:p>
+            <a:pPr rtl="0">
+              <a:spcBef>
+                <a:spcPts val="0"/>
+              </a:spcBef>
+              <a:spcAft>
+                <a:spcPts val="800"/>
+              </a:spcAft>
+            </a:pPr>
+            <a:r>
+              <a:rPr lang="en-IN" sz="3100" b="0" i="0" u="none" strike="noStrike" dirty="0">
+                <a:solidFill>
+                  <a:srgbClr val="000000"/>
+                </a:solidFill>
+                <a:effectLst/>
+                <a:latin typeface="Calibri" panose="020F0502020204030204" pitchFamily="34" charset="0"/>
+              </a:rPr>
+              <a:t>-onclick Event</a:t>
+            </a:r>
+            <a:endParaRPr lang="en-IN" sz="3100" b="0" dirty="0">
+              <a:effectLst/>
+            </a:endParaRPr>
+          </a:p>
+          <a:p>
+            <a:pPr rtl="0">
+              <a:spcBef>
+                <a:spcPts val="0"/>
+              </a:spcBef>
+              <a:spcAft>
+                <a:spcPts val="800"/>
+              </a:spcAft>
+            </a:pPr>
+            <a:r>
+              <a:rPr lang="en-IN" sz="3100" b="0" i="0" u="none" strike="noStrike" dirty="0">
+                <a:solidFill>
+                  <a:srgbClr val="000000"/>
+                </a:solidFill>
+                <a:effectLst/>
+                <a:latin typeface="Calibri" panose="020F0502020204030204" pitchFamily="34" charset="0"/>
+              </a:rPr>
+              <a:t>-</a:t>
+            </a:r>
+            <a:r>
+              <a:rPr lang="en-IN" sz="3100" b="0" i="0" u="none" strike="noStrike" dirty="0" err="1">
+                <a:solidFill>
+                  <a:srgbClr val="000000"/>
+                </a:solidFill>
+                <a:effectLst/>
+                <a:latin typeface="Calibri" panose="020F0502020204030204" pitchFamily="34" charset="0"/>
+              </a:rPr>
+              <a:t>onchange</a:t>
+            </a:r>
+            <a:r>
+              <a:rPr lang="en-IN" sz="3100" b="0" i="0" u="none" strike="noStrike" dirty="0">
+                <a:solidFill>
+                  <a:srgbClr val="000000"/>
+                </a:solidFill>
+                <a:effectLst/>
+                <a:latin typeface="Calibri" panose="020F0502020204030204" pitchFamily="34" charset="0"/>
+              </a:rPr>
+              <a:t> Event</a:t>
+            </a:r>
+            <a:endParaRPr lang="en-IN" sz="3100" b="0" dirty="0">
+              <a:effectLst/>
+            </a:endParaRPr>
+          </a:p>
+          <a:p>
+            <a:pPr rtl="0">
+              <a:spcBef>
+                <a:spcPts val="0"/>
+              </a:spcBef>
+              <a:spcAft>
+                <a:spcPts val="800"/>
+              </a:spcAft>
+            </a:pPr>
+            <a:r>
+              <a:rPr lang="en-IN" sz="3100" b="0" i="0" u="none" strike="noStrike" dirty="0">
+                <a:solidFill>
+                  <a:srgbClr val="000000"/>
+                </a:solidFill>
+                <a:effectLst/>
+                <a:latin typeface="Calibri" panose="020F0502020204030204" pitchFamily="34" charset="0"/>
+              </a:rPr>
+              <a:t>-</a:t>
+            </a:r>
+            <a:r>
+              <a:rPr lang="en-IN" sz="3100" b="0" i="0" u="none" strike="noStrike" dirty="0" err="1">
+                <a:solidFill>
+                  <a:srgbClr val="000000"/>
+                </a:solidFill>
+                <a:effectLst/>
+                <a:latin typeface="Calibri" panose="020F0502020204030204" pitchFamily="34" charset="0"/>
+              </a:rPr>
+              <a:t>onmouseover</a:t>
+            </a:r>
+            <a:endParaRPr lang="en-IN" sz="3100" b="0" dirty="0">
+              <a:effectLst/>
+            </a:endParaRPr>
+          </a:p>
+          <a:p>
+            <a:pPr rtl="0">
+              <a:spcBef>
+                <a:spcPts val="0"/>
+              </a:spcBef>
+              <a:spcAft>
+                <a:spcPts val="800"/>
+              </a:spcAft>
+            </a:pPr>
+            <a:r>
+              <a:rPr lang="en-IN" sz="3100" b="0" i="0" u="none" strike="noStrike" dirty="0">
+                <a:solidFill>
+                  <a:srgbClr val="000000"/>
+                </a:solidFill>
+                <a:effectLst/>
+                <a:latin typeface="Calibri" panose="020F0502020204030204" pitchFamily="34" charset="0"/>
+              </a:rPr>
+              <a:t>-</a:t>
+            </a:r>
+            <a:r>
+              <a:rPr lang="en-IN" sz="3100" b="0" i="0" u="none" strike="noStrike" dirty="0" err="1">
+                <a:solidFill>
+                  <a:srgbClr val="000000"/>
+                </a:solidFill>
+                <a:effectLst/>
+                <a:latin typeface="Calibri" panose="020F0502020204030204" pitchFamily="34" charset="0"/>
+              </a:rPr>
+              <a:t>onmouseout</a:t>
+            </a:r>
+            <a:endParaRPr lang="en-IN" sz="3100" b="0" dirty="0">
+              <a:effectLst/>
+            </a:endParaRPr>
+          </a:p>
+          <a:p>
+            <a:pPr rtl="0">
+              <a:spcBef>
+                <a:spcPts val="0"/>
+              </a:spcBef>
+              <a:spcAft>
+                <a:spcPts val="800"/>
+              </a:spcAft>
+            </a:pPr>
+            <a:r>
+              <a:rPr lang="en-IN" sz="3100" b="0" i="0" u="none" strike="noStrike" dirty="0">
+                <a:solidFill>
+                  <a:srgbClr val="000000"/>
+                </a:solidFill>
+                <a:effectLst/>
+                <a:latin typeface="Calibri" panose="020F0502020204030204" pitchFamily="34" charset="0"/>
+              </a:rPr>
+              <a:t>-</a:t>
+            </a:r>
+            <a:r>
+              <a:rPr lang="en-IN" sz="3100" b="0" i="0" u="none" strike="noStrike" dirty="0" err="1">
+                <a:solidFill>
+                  <a:srgbClr val="000000"/>
+                </a:solidFill>
+                <a:effectLst/>
+                <a:latin typeface="Calibri" panose="020F0502020204030204" pitchFamily="34" charset="0"/>
+              </a:rPr>
+              <a:t>onkeydown</a:t>
+            </a:r>
+            <a:endParaRPr lang="en-IN" sz="3100" b="0" dirty="0">
+              <a:effectLst/>
+            </a:endParaRPr>
+          </a:p>
+          <a:p>
+            <a:pPr rtl="0">
+              <a:spcBef>
+                <a:spcPts val="0"/>
+              </a:spcBef>
+              <a:spcAft>
+                <a:spcPts val="800"/>
+              </a:spcAft>
+            </a:pPr>
+            <a:r>
+              <a:rPr lang="en-IN" sz="3100" b="0" i="0" u="none" strike="noStrike" dirty="0">
+                <a:solidFill>
+                  <a:srgbClr val="000000"/>
+                </a:solidFill>
+                <a:effectLst/>
+                <a:latin typeface="Calibri" panose="020F0502020204030204" pitchFamily="34" charset="0"/>
+              </a:rPr>
+              <a:t>-</a:t>
+            </a:r>
+            <a:r>
+              <a:rPr lang="en-IN" sz="3100" b="0" i="0" u="none" strike="noStrike" dirty="0" err="1">
+                <a:solidFill>
+                  <a:srgbClr val="000000"/>
+                </a:solidFill>
+                <a:effectLst/>
+                <a:latin typeface="Calibri" panose="020F0502020204030204" pitchFamily="34" charset="0"/>
+              </a:rPr>
+              <a:t>dblclick</a:t>
+            </a:r>
+            <a:r>
+              <a:rPr lang="en-IN" sz="3100" b="0" i="0" u="none" strike="noStrike" dirty="0">
+                <a:solidFill>
+                  <a:srgbClr val="000000"/>
+                </a:solidFill>
+                <a:effectLst/>
+                <a:latin typeface="Calibri" panose="020F0502020204030204" pitchFamily="34" charset="0"/>
+              </a:rPr>
+              <a:t> Event</a:t>
+            </a:r>
+            <a:endParaRPr lang="en-IN" sz="3100" b="0" dirty="0">
+              <a:effectLst/>
+            </a:endParaRPr>
+          </a:p>
+          <a:p>
+            <a:pPr rtl="0">
+              <a:spcBef>
+                <a:spcPts val="0"/>
+              </a:spcBef>
+              <a:spcAft>
+                <a:spcPts val="800"/>
+              </a:spcAft>
+            </a:pPr>
+            <a:r>
+              <a:rPr lang="en-IN" sz="3100" b="0" i="0" u="none" strike="noStrike" dirty="0">
+                <a:solidFill>
+                  <a:srgbClr val="000000"/>
+                </a:solidFill>
+                <a:effectLst/>
+                <a:latin typeface="Calibri" panose="020F0502020204030204" pitchFamily="34" charset="0"/>
+              </a:rPr>
+              <a:t>-onload Event</a:t>
+            </a:r>
+            <a:endParaRPr lang="en-IN" sz="3100" b="0" dirty="0">
+              <a:effectLst/>
+            </a:endParaRPr>
+          </a:p>
+          <a:p>
+            <a:br>
+              <a:rPr lang="en-IN" dirty="0"/>
+            </a:br>
             <a:endParaRPr lang="en-IN" dirty="0"/>
           </a:p>
         </p:txBody>
@@ -3799,8 +4482,8 @@
         </p:nvSpPr>
         <p:spPr>
           <a:xfrm>
-            <a:off x="277279" y="-99392"/>
-            <a:ext cx="8856984" cy="5632311"/>
+            <a:off x="467544" y="116632"/>
+            <a:ext cx="8856984" cy="5816977"/>
           </a:xfrm>
           <a:prstGeom prst="rect">
             <a:avLst/>
@@ -3905,8 +4588,6 @@
               </a:rPr>
               <a:t>Since 2016, versions are named by year (ECMAScript 2016, 2017, 2018, 2019, 2020).</a:t>
             </a:r>
-          </a:p>
-          <a:p>
             <a:endParaRPr lang="en-US" sz="3200" b="1" u="sng" dirty="0">
               <a:latin typeface="Times New Roman" panose="02020603050405020304" pitchFamily="18" charset="0"/>
               <a:cs typeface="Times New Roman" panose="02020603050405020304" pitchFamily="18" charset="0"/>
@@ -3922,53 +4603,278 @@
             </a:r>
           </a:p>
           <a:p>
-            <a:endParaRPr lang="en-US" sz="3200" b="1" u="sng" dirty="0">
+            <a:r>
+              <a:rPr lang="en-US" sz="2400" b="0" i="0" dirty="0">
+                <a:solidFill>
+                  <a:srgbClr val="232629"/>
+                </a:solidFill>
+                <a:effectLst/>
+                <a:latin typeface="-apple-system"/>
+              </a:rPr>
+              <a:t>It's a new feature that introduced in ES6 and is called arrow function. The left part denotes the input of a function and the right part the output of that function.</a:t>
+            </a:r>
+            <a:r>
+              <a:rPr lang="en-US" sz="2400" b="0" i="0" dirty="0">
+                <a:effectLst/>
+                <a:latin typeface="Consolas" panose="020B0609020204030204" pitchFamily="49" charset="0"/>
+              </a:rPr>
+              <a:t> </a:t>
+            </a:r>
+          </a:p>
+          <a:p>
+            <a:r>
+              <a:rPr lang="en-US" sz="2400" b="0" i="0" dirty="0">
+                <a:effectLst/>
+                <a:latin typeface="Consolas" panose="020B0609020204030204" pitchFamily="49" charset="0"/>
+              </a:rPr>
+              <a:t>let</a:t>
+            </a:r>
+            <a:r>
+              <a:rPr lang="en-US" sz="2400" b="0" i="0" dirty="0">
+                <a:solidFill>
+                  <a:srgbClr val="313130"/>
+                </a:solidFill>
+                <a:effectLst/>
+                <a:latin typeface="Consolas" panose="020B0609020204030204" pitchFamily="49" charset="0"/>
+              </a:rPr>
+              <a:t> </a:t>
+            </a:r>
+            <a:r>
+              <a:rPr lang="en-US" sz="2400" b="0" i="0" dirty="0" err="1">
+                <a:effectLst/>
+                <a:latin typeface="Consolas" panose="020B0609020204030204" pitchFamily="49" charset="0"/>
+              </a:rPr>
+              <a:t>func</a:t>
+            </a:r>
+            <a:r>
+              <a:rPr lang="en-US" sz="2400" b="0" i="0" dirty="0">
+                <a:solidFill>
+                  <a:srgbClr val="313130"/>
+                </a:solidFill>
+                <a:effectLst/>
+                <a:latin typeface="Consolas" panose="020B0609020204030204" pitchFamily="49" charset="0"/>
+              </a:rPr>
+              <a:t> </a:t>
+            </a:r>
+            <a:r>
+              <a:rPr lang="en-US" sz="2400" b="0" i="0" dirty="0">
+                <a:effectLst/>
+                <a:latin typeface="Consolas" panose="020B0609020204030204" pitchFamily="49" charset="0"/>
+              </a:rPr>
+              <a:t>=</a:t>
+            </a:r>
+            <a:r>
+              <a:rPr lang="en-US" sz="2400" b="0" i="0" dirty="0">
+                <a:solidFill>
+                  <a:srgbClr val="313130"/>
+                </a:solidFill>
+                <a:effectLst/>
+                <a:latin typeface="Consolas" panose="020B0609020204030204" pitchFamily="49" charset="0"/>
+              </a:rPr>
+              <a:t> </a:t>
+            </a:r>
+            <a:r>
+              <a:rPr lang="en-US" sz="2400" b="0" i="0" dirty="0">
+                <a:effectLst/>
+                <a:latin typeface="Consolas" panose="020B0609020204030204" pitchFamily="49" charset="0"/>
+              </a:rPr>
+              <a:t>(</a:t>
+            </a:r>
+            <a:r>
+              <a:rPr lang="en-US" sz="2400" b="0" i="0" dirty="0">
+                <a:solidFill>
+                  <a:srgbClr val="313130"/>
+                </a:solidFill>
+                <a:effectLst/>
+                <a:latin typeface="Consolas" panose="020B0609020204030204" pitchFamily="49" charset="0"/>
+              </a:rPr>
+              <a:t>arg1, arg2, ..., </a:t>
+            </a:r>
+            <a:r>
+              <a:rPr lang="en-US" sz="2400" b="0" i="0" dirty="0" err="1">
+                <a:solidFill>
+                  <a:srgbClr val="313130"/>
+                </a:solidFill>
+                <a:effectLst/>
+                <a:latin typeface="Consolas" panose="020B0609020204030204" pitchFamily="49" charset="0"/>
+              </a:rPr>
+              <a:t>argN</a:t>
+            </a:r>
+            <a:r>
+              <a:rPr lang="en-US" sz="2400" b="0" i="0" dirty="0">
+                <a:effectLst/>
+                <a:latin typeface="Consolas" panose="020B0609020204030204" pitchFamily="49" charset="0"/>
+              </a:rPr>
+              <a:t>)</a:t>
+            </a:r>
+            <a:r>
+              <a:rPr lang="en-US" sz="2400" b="0" i="0" dirty="0">
+                <a:solidFill>
+                  <a:srgbClr val="313130"/>
+                </a:solidFill>
+                <a:effectLst/>
+                <a:latin typeface="Consolas" panose="020B0609020204030204" pitchFamily="49" charset="0"/>
+              </a:rPr>
+              <a:t> </a:t>
+            </a:r>
+            <a:r>
+              <a:rPr lang="en-US" sz="2400" b="0" i="0" dirty="0">
+                <a:effectLst/>
+                <a:latin typeface="Consolas" panose="020B0609020204030204" pitchFamily="49" charset="0"/>
+              </a:rPr>
+              <a:t>=&gt;</a:t>
+            </a:r>
+            <a:r>
+              <a:rPr lang="en-US" sz="2400" b="0" i="0" dirty="0">
+                <a:solidFill>
+                  <a:srgbClr val="313130"/>
+                </a:solidFill>
+                <a:effectLst/>
+                <a:latin typeface="Consolas" panose="020B0609020204030204" pitchFamily="49" charset="0"/>
+              </a:rPr>
+              <a:t> expression</a:t>
+            </a:r>
+            <a:r>
+              <a:rPr lang="en-US" sz="2400" b="0" i="0" dirty="0">
+                <a:effectLst/>
+                <a:latin typeface="Consolas" panose="020B0609020204030204" pitchFamily="49" charset="0"/>
+              </a:rPr>
+              <a:t>;</a:t>
+            </a:r>
+            <a:endParaRPr lang="en-US" sz="2400" b="1" u="sng" dirty="0">
               <a:latin typeface="Times New Roman" panose="02020603050405020304" pitchFamily="18" charset="0"/>
               <a:cs typeface="Times New Roman" panose="02020603050405020304" pitchFamily="18" charset="0"/>
             </a:endParaRPr>
           </a:p>
           <a:p>
-            <a:r>
-              <a:rPr lang="en-IN" sz="2000" dirty="0">
-                <a:latin typeface="Times New Roman" panose="02020603050405020304" pitchFamily="18" charset="0"/>
-                <a:cs typeface="Times New Roman" panose="02020603050405020304" pitchFamily="18" charset="0"/>
-              </a:rPr>
-              <a:t>function hello(){</a:t>
-            </a:r>
-          </a:p>
-          <a:p>
-            <a:r>
-              <a:rPr lang="en-IN" sz="2000" dirty="0">
-                <a:latin typeface="Times New Roman" panose="02020603050405020304" pitchFamily="18" charset="0"/>
-                <a:cs typeface="Times New Roman" panose="02020603050405020304" pitchFamily="18" charset="0"/>
-              </a:rPr>
-              <a:t>return 1;</a:t>
-            </a:r>
-          </a:p>
-          <a:p>
-            <a:r>
-              <a:rPr lang="en-IN" sz="2000" dirty="0">
-                <a:latin typeface="Times New Roman" panose="02020603050405020304" pitchFamily="18" charset="0"/>
-                <a:cs typeface="Times New Roman" panose="02020603050405020304" pitchFamily="18" charset="0"/>
-              </a:rPr>
-              <a:t>}</a:t>
-            </a:r>
-          </a:p>
-          <a:p>
-            <a:r>
-              <a:rPr lang="en-IN" sz="2000" dirty="0" err="1">
-                <a:latin typeface="Times New Roman" panose="02020603050405020304" pitchFamily="18" charset="0"/>
-                <a:cs typeface="Times New Roman" panose="02020603050405020304" pitchFamily="18" charset="0"/>
-              </a:rPr>
-              <a:t>const</a:t>
-            </a:r>
-            <a:r>
-              <a:rPr lang="en-IN" sz="2000" dirty="0">
-                <a:latin typeface="Times New Roman" panose="02020603050405020304" pitchFamily="18" charset="0"/>
-                <a:cs typeface="Times New Roman" panose="02020603050405020304" pitchFamily="18" charset="0"/>
-              </a:rPr>
-              <a:t> hello=()=&gt;1;</a:t>
-            </a:r>
+            <a:endParaRPr lang="en-IN" sz="2000" b="0" i="0" dirty="0">
+              <a:effectLst/>
+              <a:latin typeface="Consolas" panose="020B0609020204030204" pitchFamily="49" charset="0"/>
+            </a:endParaRPr>
+          </a:p>
+          <a:p>
+            <a:r>
+              <a:rPr lang="en-IN" sz="2000" b="0" i="0" dirty="0">
+                <a:effectLst/>
+                <a:latin typeface="Consolas" panose="020B0609020204030204" pitchFamily="49" charset="0"/>
+              </a:rPr>
+              <a:t>let</a:t>
+            </a:r>
+            <a:r>
+              <a:rPr lang="en-IN" sz="2000" b="0" i="0" dirty="0">
+                <a:solidFill>
+                  <a:srgbClr val="313130"/>
+                </a:solidFill>
+                <a:effectLst/>
+                <a:latin typeface="Consolas" panose="020B0609020204030204" pitchFamily="49" charset="0"/>
+              </a:rPr>
+              <a:t> </a:t>
+            </a:r>
+            <a:r>
+              <a:rPr lang="en-IN" sz="2000" b="0" i="0" dirty="0" err="1">
+                <a:effectLst/>
+                <a:latin typeface="Consolas" panose="020B0609020204030204" pitchFamily="49" charset="0"/>
+              </a:rPr>
+              <a:t>sayHi</a:t>
+            </a:r>
+            <a:r>
+              <a:rPr lang="en-IN" sz="2000" b="0" i="0" dirty="0">
+                <a:solidFill>
+                  <a:srgbClr val="313130"/>
+                </a:solidFill>
+                <a:effectLst/>
+                <a:latin typeface="Consolas" panose="020B0609020204030204" pitchFamily="49" charset="0"/>
+              </a:rPr>
+              <a:t> </a:t>
+            </a:r>
+            <a:r>
+              <a:rPr lang="en-IN" sz="2000" b="0" i="0" dirty="0">
+                <a:effectLst/>
+                <a:latin typeface="Consolas" panose="020B0609020204030204" pitchFamily="49" charset="0"/>
+              </a:rPr>
+              <a:t>=</a:t>
+            </a:r>
+            <a:r>
+              <a:rPr lang="en-IN" sz="2000" b="0" i="0" dirty="0">
+                <a:solidFill>
+                  <a:srgbClr val="313130"/>
+                </a:solidFill>
+                <a:effectLst/>
+                <a:latin typeface="Consolas" panose="020B0609020204030204" pitchFamily="49" charset="0"/>
+              </a:rPr>
+              <a:t> </a:t>
+            </a:r>
+            <a:r>
+              <a:rPr lang="en-IN" sz="2000" b="0" i="0" dirty="0">
+                <a:effectLst/>
+                <a:latin typeface="Consolas" panose="020B0609020204030204" pitchFamily="49" charset="0"/>
+              </a:rPr>
+              <a:t>()</a:t>
+            </a:r>
+            <a:r>
+              <a:rPr lang="en-IN" sz="2000" b="0" i="0" dirty="0">
+                <a:solidFill>
+                  <a:srgbClr val="313130"/>
+                </a:solidFill>
+                <a:effectLst/>
+                <a:latin typeface="Consolas" panose="020B0609020204030204" pitchFamily="49" charset="0"/>
+              </a:rPr>
+              <a:t> </a:t>
+            </a:r>
+            <a:r>
+              <a:rPr lang="en-IN" sz="2000" b="0" i="0" dirty="0">
+                <a:effectLst/>
+                <a:latin typeface="Consolas" panose="020B0609020204030204" pitchFamily="49" charset="0"/>
+              </a:rPr>
+              <a:t>=&gt;</a:t>
+            </a:r>
+            <a:r>
+              <a:rPr lang="en-IN" sz="2000" b="0" i="0" dirty="0">
+                <a:solidFill>
+                  <a:srgbClr val="313130"/>
+                </a:solidFill>
+                <a:effectLst/>
+                <a:latin typeface="Consolas" panose="020B0609020204030204" pitchFamily="49" charset="0"/>
+              </a:rPr>
+              <a:t> </a:t>
+            </a:r>
+            <a:r>
+              <a:rPr lang="en-IN" sz="2000" b="0" i="0" dirty="0">
+                <a:effectLst/>
+                <a:latin typeface="Consolas" panose="020B0609020204030204" pitchFamily="49" charset="0"/>
+              </a:rPr>
+              <a:t>alert("Hello!");</a:t>
+            </a:r>
+            <a:r>
+              <a:rPr lang="en-IN" sz="2000" b="0" i="0" dirty="0">
+                <a:solidFill>
+                  <a:srgbClr val="313130"/>
+                </a:solidFill>
+                <a:effectLst/>
+                <a:latin typeface="Consolas" panose="020B0609020204030204" pitchFamily="49" charset="0"/>
+              </a:rPr>
+              <a:t> </a:t>
+            </a:r>
+          </a:p>
+          <a:p>
+            <a:r>
+              <a:rPr lang="en-IN" sz="2000" b="0" i="0" dirty="0" err="1">
+                <a:effectLst/>
+                <a:latin typeface="Consolas" panose="020B0609020204030204" pitchFamily="49" charset="0"/>
+              </a:rPr>
+              <a:t>sayHi</a:t>
+            </a:r>
+            <a:r>
+              <a:rPr lang="en-IN" sz="2000" b="0" i="0" dirty="0">
+                <a:effectLst/>
+                <a:latin typeface="Consolas" panose="020B0609020204030204" pitchFamily="49" charset="0"/>
+              </a:rPr>
+              <a:t>();</a:t>
+            </a:r>
+            <a:endParaRPr lang="en-IN" sz="2000" dirty="0">
+              <a:latin typeface="Times New Roman" panose="02020603050405020304" pitchFamily="18" charset="0"/>
+              <a:cs typeface="Times New Roman" panose="02020603050405020304" pitchFamily="18" charset="0"/>
+            </a:endParaRPr>
           </a:p>
         </p:txBody>
       </p:sp>
@@ -4275,6 +5181,207 @@
 </p:sld>
 </file>
 
+<file path=ppt/slides/slide19.xml><?xml version="1.0" encoding="utf-8"?>
+<p:sld xmlns:a="http://schemas.openxmlformats.org/drawingml/2006/main" xmlns:r="http://schemas.openxmlformats.org/officeDocument/2006/relationships" xmlns:p="http://schemas.openxmlformats.org/presentationml/2006/main">
+  <p:cSld>
+    <p:spTree>
+      <p:nvGrpSpPr>
+        <p:cNvPr id="1" name=""/>
+        <p:cNvGrpSpPr/>
+        <p:nvPr/>
+      </p:nvGrpSpPr>
+      <p:grpSpPr>
+        <a:xfrm>
+          <a:off x="0" y="0"/>
+          <a:ext cx="0" cy="0"/>
+          <a:chOff x="0" y="0"/>
+          <a:chExt cx="0" cy="0"/>
+        </a:xfrm>
+      </p:grpSpPr>
+      <p:sp>
+        <p:nvSpPr>
+          <p:cNvPr id="2" name="TextBox 1">
+            <a:extLst>
+              <a:ext uri="{FF2B5EF4-FFF2-40B4-BE49-F238E27FC236}">
+                <a16:creationId xmlns:a16="http://schemas.microsoft.com/office/drawing/2014/main" id="{70AC25D7-941D-2BCD-31CC-5528B9F49C90}"/>
+              </a:ext>
+            </a:extLst>
+          </p:cNvPr>
+          <p:cNvSpPr txBox="1"/>
+          <p:nvPr/>
+        </p:nvSpPr>
+        <p:spPr>
+          <a:xfrm>
+            <a:off x="251520" y="116632"/>
+            <a:ext cx="8424936" cy="4247317"/>
+          </a:xfrm>
+          <a:prstGeom prst="rect">
+            <a:avLst/>
+          </a:prstGeom>
+          <a:noFill/>
+        </p:spPr>
+        <p:txBody>
+          <a:bodyPr wrap="square" rtlCol="0">
+            <a:spAutoFit/>
+          </a:bodyPr>
+          <a:lstStyle/>
+          <a:p>
+            <a:r>
+              <a:rPr lang="en-US" dirty="0"/>
+              <a:t>Task1:</a:t>
+            </a:r>
+          </a:p>
+          <a:p>
+            <a:pPr marL="285750" indent="-285750">
+              <a:buFont typeface="Wingdings" panose="05000000000000000000" pitchFamily="2" charset="2"/>
+              <a:buChar char="Ø"/>
+            </a:pPr>
+            <a:r>
+              <a:rPr lang="en-US" b="0" i="0" dirty="0">
+                <a:effectLst/>
+                <a:latin typeface="Helvetica" panose="020B0604020202020204" pitchFamily="34" charset="0"/>
+              </a:rPr>
+              <a:t>Write a JavaScript program to delete the </a:t>
+            </a:r>
+            <a:r>
+              <a:rPr lang="en-US" b="0" i="0" dirty="0" err="1">
+                <a:effectLst/>
+                <a:latin typeface="Helvetica" panose="020B0604020202020204" pitchFamily="34" charset="0"/>
+              </a:rPr>
+              <a:t>rollno</a:t>
+            </a:r>
+            <a:r>
+              <a:rPr lang="en-US" b="0" i="0" dirty="0">
+                <a:effectLst/>
+                <a:latin typeface="Helvetica" panose="020B0604020202020204" pitchFamily="34" charset="0"/>
+              </a:rPr>
+              <a:t> property from the following object. Also print the object before or after deleting the property.</a:t>
+            </a:r>
+          </a:p>
+          <a:p>
+            <a:endParaRPr lang="en-US" dirty="0">
+              <a:solidFill>
+                <a:srgbClr val="FFFFFF"/>
+              </a:solidFill>
+              <a:latin typeface="inherit"/>
+            </a:endParaRPr>
+          </a:p>
+          <a:p>
+            <a:r>
+              <a:rPr lang="en-IN" i="0" dirty="0">
+                <a:solidFill>
+                  <a:srgbClr val="333333"/>
+                </a:solidFill>
+                <a:effectLst/>
+                <a:latin typeface="segoe ui" panose="020B0502040204020203" pitchFamily="34" charset="0"/>
+              </a:rPr>
+              <a:t>Task2:</a:t>
+            </a:r>
+          </a:p>
+          <a:p>
+            <a:pPr marL="285750" indent="-285750">
+              <a:buFont typeface="Wingdings" panose="05000000000000000000" pitchFamily="2" charset="2"/>
+              <a:buChar char="Ø"/>
+            </a:pPr>
+            <a:r>
+              <a:rPr lang="en-IN" i="0" dirty="0">
+                <a:solidFill>
+                  <a:srgbClr val="333333"/>
+                </a:solidFill>
+                <a:effectLst/>
+                <a:latin typeface="segoe ui" panose="020B0502040204020203" pitchFamily="34" charset="0"/>
+              </a:rPr>
+              <a:t>JavaScript Reverse print an array</a:t>
+            </a:r>
+          </a:p>
+          <a:p>
+            <a:endParaRPr lang="en-IN" i="0" dirty="0">
+              <a:solidFill>
+                <a:srgbClr val="333333"/>
+              </a:solidFill>
+              <a:effectLst/>
+              <a:latin typeface="segoe ui" panose="020B0502040204020203" pitchFamily="34" charset="0"/>
+            </a:endParaRPr>
+          </a:p>
+          <a:p>
+            <a:r>
+              <a:rPr lang="en-IN" dirty="0">
+                <a:solidFill>
+                  <a:srgbClr val="333333"/>
+                </a:solidFill>
+                <a:latin typeface="segoe ui" panose="020B0502040204020203" pitchFamily="34" charset="0"/>
+              </a:rPr>
+              <a:t>Task3:</a:t>
+            </a:r>
+          </a:p>
+          <a:p>
+            <a:r>
+              <a:rPr lang="en-IN" i="0" dirty="0">
+                <a:solidFill>
+                  <a:srgbClr val="333333"/>
+                </a:solidFill>
+                <a:effectLst/>
+                <a:latin typeface="segoe ui" panose="020B0502040204020203" pitchFamily="34" charset="0"/>
+              </a:rPr>
+              <a:t>Create a function which stores inside a secret word which cannot be changed or accessed from outside?</a:t>
+            </a:r>
+          </a:p>
+          <a:p>
+            <a:endParaRPr lang="en-IN" i="0" dirty="0">
+              <a:solidFill>
+                <a:srgbClr val="333333"/>
+              </a:solidFill>
+              <a:effectLst/>
+              <a:latin typeface="segoe ui" panose="020B0502040204020203" pitchFamily="34" charset="0"/>
+            </a:endParaRPr>
+          </a:p>
+          <a:p>
+            <a:r>
+              <a:rPr lang="en-IN" dirty="0">
+                <a:solidFill>
+                  <a:srgbClr val="333333"/>
+                </a:solidFill>
+                <a:latin typeface="segoe ui" panose="020B0502040204020203" pitchFamily="34" charset="0"/>
+              </a:rPr>
+              <a:t> </a:t>
+            </a:r>
+          </a:p>
+          <a:p>
+            <a:endParaRPr lang="en-IN" i="0" dirty="0">
+              <a:solidFill>
+                <a:srgbClr val="333333"/>
+              </a:solidFill>
+              <a:effectLst/>
+              <a:latin typeface="segoe ui" panose="020B0502040204020203" pitchFamily="34" charset="0"/>
+            </a:endParaRPr>
+          </a:p>
+          <a:p>
+            <a:endParaRPr lang="en-US" dirty="0">
+              <a:latin typeface="Helvetica" panose="020B0604020202020204" pitchFamily="34" charset="0"/>
+            </a:endParaRPr>
+          </a:p>
+          <a:p>
+            <a:pPr marL="285750" indent="-285750">
+              <a:buFont typeface="Wingdings" panose="05000000000000000000" pitchFamily="2" charset="2"/>
+              <a:buChar char="Ø"/>
+            </a:pPr>
+            <a:endParaRPr lang="en-IN" dirty="0"/>
+          </a:p>
+        </p:txBody>
+      </p:sp>
+    </p:spTree>
+    <p:extLst>
+      <p:ext uri="{BB962C8B-B14F-4D97-AF65-F5344CB8AC3E}">
+        <p14:creationId xmlns:p14="http://schemas.microsoft.com/office/powerpoint/2010/main" val="3102205681"/>
+      </p:ext>
+    </p:extLst>
+  </p:cSld>
+  <p:clrMapOvr>
+    <a:masterClrMapping/>
+  </p:clrMapOvr>
+</p:sld>
+</file>
+
 <file path=ppt/slides/slide2.xml><?xml version="1.0" encoding="utf-8"?>
 <p:sld xmlns:a="http://schemas.openxmlformats.org/drawingml/2006/main" xmlns:r="http://schemas.openxmlformats.org/officeDocument/2006/relationships" xmlns:p="http://schemas.openxmlformats.org/presentationml/2006/main">
   <p:cSld>
@@ -4358,6 +5465,1758 @@
     <p:extLst>
       <p:ext uri="{BB962C8B-B14F-4D97-AF65-F5344CB8AC3E}">
         <p14:creationId xmlns:p14="http://schemas.microsoft.com/office/powerpoint/2010/main" val="780776932"/>
+      </p:ext>
+    </p:extLst>
+  </p:cSld>
+  <p:clrMapOvr>
+    <a:masterClrMapping/>
+  </p:clrMapOvr>
+</p:sld>
+</file>
+
+<file path=ppt/slides/slide20.xml><?xml version="1.0" encoding="utf-8"?>
+<p:sld xmlns:a="http://schemas.openxmlformats.org/drawingml/2006/main" xmlns:r="http://schemas.openxmlformats.org/officeDocument/2006/relationships" xmlns:p="http://schemas.openxmlformats.org/presentationml/2006/main">
+  <p:cSld>
+    <p:spTree>
+      <p:nvGrpSpPr>
+        <p:cNvPr id="1" name=""/>
+        <p:cNvGrpSpPr/>
+        <p:nvPr/>
+      </p:nvGrpSpPr>
+      <p:grpSpPr>
+        <a:xfrm>
+          <a:off x="0" y="0"/>
+          <a:ext cx="0" cy="0"/>
+          <a:chOff x="0" y="0"/>
+          <a:chExt cx="0" cy="0"/>
+        </a:xfrm>
+      </p:grpSpPr>
+      <p:sp>
+        <p:nvSpPr>
+          <p:cNvPr id="3" name="TextBox 2">
+            <a:extLst>
+              <a:ext uri="{FF2B5EF4-FFF2-40B4-BE49-F238E27FC236}">
+                <a16:creationId xmlns:a16="http://schemas.microsoft.com/office/drawing/2014/main" id="{752EA57D-6192-CC47-4723-3919397C1673}"/>
+              </a:ext>
+            </a:extLst>
+          </p:cNvPr>
+          <p:cNvSpPr txBox="1"/>
+          <p:nvPr/>
+        </p:nvSpPr>
+        <p:spPr>
+          <a:xfrm>
+            <a:off x="179512" y="260648"/>
+            <a:ext cx="8352928" cy="6740307"/>
+          </a:xfrm>
+          <a:prstGeom prst="rect">
+            <a:avLst/>
+          </a:prstGeom>
+          <a:noFill/>
+        </p:spPr>
+        <p:txBody>
+          <a:bodyPr wrap="square" rtlCol="0">
+            <a:spAutoFit/>
+          </a:bodyPr>
+          <a:lstStyle/>
+          <a:p>
+            <a:r>
+              <a:rPr lang="en-US" dirty="0"/>
+              <a:t>Task1</a:t>
+            </a:r>
+          </a:p>
+          <a:p>
+            <a:pPr lvl="3" eaLnBrk="0" fontAlgn="base" hangingPunct="0">
+              <a:spcBef>
+                <a:spcPct val="0"/>
+              </a:spcBef>
+              <a:spcAft>
+                <a:spcPct val="0"/>
+              </a:spcAft>
+            </a:pPr>
+            <a:r>
+              <a:rPr kumimoji="0" lang="en-US" altLang="en-US" b="0" i="0" u="none" strike="noStrike" cap="none" normalizeH="0" baseline="0" dirty="0">
+                <a:ln>
+                  <a:noFill/>
+                </a:ln>
+                <a:solidFill>
+                  <a:srgbClr val="DDCA7E"/>
+                </a:solidFill>
+                <a:effectLst/>
+                <a:latin typeface="inherit"/>
+              </a:rPr>
+              <a:t>var</a:t>
+            </a:r>
+            <a:r>
+              <a:rPr kumimoji="0" lang="en-US" altLang="en-US" b="0" i="0" u="none" strike="noStrike" cap="none" normalizeH="0" baseline="0" dirty="0">
+                <a:ln>
+                  <a:noFill/>
+                </a:ln>
+                <a:solidFill>
+                  <a:srgbClr val="FFFFFF"/>
+                </a:solidFill>
+                <a:effectLst/>
+                <a:latin typeface="inherit"/>
+              </a:rPr>
+              <a:t> </a:t>
+            </a:r>
+            <a:r>
+              <a:rPr kumimoji="0" lang="en-US" altLang="en-US" b="0" i="0" u="none" strike="noStrike" cap="none" normalizeH="0" baseline="0" dirty="0">
+                <a:ln>
+                  <a:noFill/>
+                </a:ln>
+                <a:solidFill>
+                  <a:srgbClr val="809BBD"/>
+                </a:solidFill>
+                <a:effectLst/>
+                <a:latin typeface="inherit"/>
+              </a:rPr>
+              <a:t>student</a:t>
+            </a:r>
+            <a:r>
+              <a:rPr kumimoji="0" lang="en-US" altLang="en-US" b="0" i="0" u="none" strike="noStrike" cap="none" normalizeH="0" baseline="0" dirty="0">
+                <a:ln>
+                  <a:noFill/>
+                </a:ln>
+                <a:solidFill>
+                  <a:srgbClr val="FFFFFF"/>
+                </a:solidFill>
+                <a:effectLst/>
+                <a:latin typeface="inherit"/>
+              </a:rPr>
+              <a:t> </a:t>
+            </a:r>
+            <a:r>
+              <a:rPr kumimoji="0" lang="en-US" altLang="en-US" b="0" i="0" u="none" strike="noStrike" cap="none" normalizeH="0" baseline="0" dirty="0">
+                <a:ln>
+                  <a:noFill/>
+                </a:ln>
+                <a:solidFill>
+                  <a:srgbClr val="CCCCCC"/>
+                </a:solidFill>
+                <a:effectLst/>
+                <a:latin typeface="inherit"/>
+              </a:rPr>
+              <a:t>=</a:t>
+            </a:r>
+            <a:r>
+              <a:rPr kumimoji="0" lang="en-US" altLang="en-US" b="0" i="0" u="none" strike="noStrike" cap="none" normalizeH="0" baseline="0" dirty="0">
+                <a:ln>
+                  <a:noFill/>
+                </a:ln>
+                <a:solidFill>
+                  <a:srgbClr val="FFFFFF"/>
+                </a:solidFill>
+                <a:effectLst/>
+                <a:latin typeface="inherit"/>
+              </a:rPr>
+              <a:t> { </a:t>
+            </a:r>
+            <a:endParaRPr kumimoji="0" lang="en-US" altLang="en-US" sz="800" b="0" i="0" u="none" strike="noStrike" cap="none" normalizeH="0" baseline="0" dirty="0">
+              <a:ln>
+                <a:noFill/>
+              </a:ln>
+              <a:solidFill>
+                <a:schemeClr val="tx1"/>
+              </a:solidFill>
+              <a:effectLst/>
+            </a:endParaRPr>
+          </a:p>
+          <a:p>
+            <a:pPr lvl="3" eaLnBrk="0" fontAlgn="base" hangingPunct="0">
+              <a:spcBef>
+                <a:spcPct val="0"/>
+              </a:spcBef>
+              <a:spcAft>
+                <a:spcPct val="0"/>
+              </a:spcAft>
+            </a:pPr>
+            <a:r>
+              <a:rPr kumimoji="0" lang="en-US" altLang="en-US" b="0" i="0" u="none" strike="noStrike" cap="none" normalizeH="0" baseline="0" dirty="0">
+                <a:ln>
+                  <a:noFill/>
+                </a:ln>
+                <a:solidFill>
+                  <a:srgbClr val="FFFFFF"/>
+                </a:solidFill>
+                <a:effectLst/>
+                <a:latin typeface="inherit"/>
+              </a:rPr>
+              <a:t> </a:t>
+            </a:r>
+            <a:r>
+              <a:rPr kumimoji="0" lang="en-US" altLang="en-US" b="0" i="0" u="none" strike="noStrike" cap="none" normalizeH="0" baseline="0" dirty="0">
+                <a:ln>
+                  <a:noFill/>
+                </a:ln>
+                <a:solidFill>
+                  <a:srgbClr val="9A8297"/>
+                </a:solidFill>
+                <a:effectLst/>
+                <a:latin typeface="inherit"/>
+              </a:rPr>
+              <a:t>name</a:t>
+            </a:r>
+            <a:r>
+              <a:rPr kumimoji="0" lang="en-US" altLang="en-US" b="0" i="0" u="none" strike="noStrike" cap="none" normalizeH="0" baseline="0" dirty="0">
+                <a:ln>
+                  <a:noFill/>
+                </a:ln>
+                <a:solidFill>
+                  <a:srgbClr val="FFFFFF"/>
+                </a:solidFill>
+                <a:effectLst/>
+                <a:latin typeface="inherit"/>
+              </a:rPr>
+              <a:t> : </a:t>
+            </a:r>
+            <a:r>
+              <a:rPr kumimoji="0" lang="en-US" altLang="en-US" b="0" i="0" u="none" strike="noStrike" cap="none" normalizeH="0" baseline="0" dirty="0">
+                <a:ln>
+                  <a:noFill/>
+                </a:ln>
+                <a:solidFill>
+                  <a:srgbClr val="96B38A"/>
+                </a:solidFill>
+                <a:effectLst/>
+                <a:latin typeface="inherit"/>
+              </a:rPr>
+              <a:t>"David </a:t>
+            </a:r>
+            <a:r>
+              <a:rPr kumimoji="0" lang="en-US" altLang="en-US" b="0" i="0" u="none" strike="noStrike" cap="none" normalizeH="0" baseline="0" dirty="0" err="1">
+                <a:ln>
+                  <a:noFill/>
+                </a:ln>
+                <a:solidFill>
+                  <a:srgbClr val="96B38A"/>
+                </a:solidFill>
+                <a:effectLst/>
+                <a:latin typeface="inherit"/>
+              </a:rPr>
+              <a:t>Rayy</a:t>
+            </a:r>
+            <a:r>
+              <a:rPr kumimoji="0" lang="en-US" altLang="en-US" b="0" i="0" u="none" strike="noStrike" cap="none" normalizeH="0" baseline="0" dirty="0">
+                <a:ln>
+                  <a:noFill/>
+                </a:ln>
+                <a:solidFill>
+                  <a:srgbClr val="96B38A"/>
+                </a:solidFill>
+                <a:effectLst/>
+                <a:latin typeface="inherit"/>
+              </a:rPr>
+              <a:t>"</a:t>
+            </a:r>
+            <a:r>
+              <a:rPr kumimoji="0" lang="en-US" altLang="en-US" b="0" i="0" u="none" strike="noStrike" cap="none" normalizeH="0" baseline="0" dirty="0">
+                <a:ln>
+                  <a:noFill/>
+                </a:ln>
+                <a:solidFill>
+                  <a:srgbClr val="FFFFFF"/>
+                </a:solidFill>
+                <a:effectLst/>
+                <a:latin typeface="inherit"/>
+              </a:rPr>
+              <a:t>, </a:t>
+            </a:r>
+            <a:endParaRPr kumimoji="0" lang="en-US" altLang="en-US" sz="800" b="0" i="0" u="none" strike="noStrike" cap="none" normalizeH="0" baseline="0" dirty="0">
+              <a:ln>
+                <a:noFill/>
+              </a:ln>
+              <a:solidFill>
+                <a:schemeClr val="tx1"/>
+              </a:solidFill>
+              <a:effectLst/>
+            </a:endParaRPr>
+          </a:p>
+          <a:p>
+            <a:pPr lvl="3" eaLnBrk="0" fontAlgn="base" hangingPunct="0">
+              <a:spcBef>
+                <a:spcPct val="0"/>
+              </a:spcBef>
+              <a:spcAft>
+                <a:spcPct val="0"/>
+              </a:spcAft>
+            </a:pPr>
+            <a:r>
+              <a:rPr kumimoji="0" lang="en-US" altLang="en-US" b="0" i="0" u="none" strike="noStrike" cap="none" normalizeH="0" baseline="0" dirty="0">
+                <a:ln>
+                  <a:noFill/>
+                </a:ln>
+                <a:solidFill>
+                  <a:srgbClr val="FFFFFF"/>
+                </a:solidFill>
+                <a:effectLst/>
+                <a:latin typeface="inherit"/>
+              </a:rPr>
+              <a:t> </a:t>
+            </a:r>
+            <a:r>
+              <a:rPr kumimoji="0" lang="en-US" altLang="en-US" b="0" i="0" u="none" strike="noStrike" cap="none" normalizeH="0" baseline="0" dirty="0" err="1">
+                <a:ln>
+                  <a:noFill/>
+                </a:ln>
+                <a:solidFill>
+                  <a:srgbClr val="9A8297"/>
+                </a:solidFill>
+                <a:effectLst/>
+                <a:latin typeface="inherit"/>
+              </a:rPr>
+              <a:t>sclass</a:t>
+            </a:r>
+            <a:r>
+              <a:rPr kumimoji="0" lang="en-US" altLang="en-US" b="0" i="0" u="none" strike="noStrike" cap="none" normalizeH="0" baseline="0" dirty="0">
+                <a:ln>
+                  <a:noFill/>
+                </a:ln>
+                <a:solidFill>
+                  <a:srgbClr val="FFFFFF"/>
+                </a:solidFill>
+                <a:effectLst/>
+                <a:latin typeface="inherit"/>
+              </a:rPr>
+              <a:t> : </a:t>
+            </a:r>
+            <a:r>
+              <a:rPr kumimoji="0" lang="en-US" altLang="en-US" b="0" i="0" u="none" strike="noStrike" cap="none" normalizeH="0" baseline="0" dirty="0">
+                <a:ln>
+                  <a:noFill/>
+                </a:ln>
+                <a:solidFill>
+                  <a:srgbClr val="96B38A"/>
+                </a:solidFill>
+                <a:effectLst/>
+                <a:latin typeface="inherit"/>
+              </a:rPr>
+              <a:t>"VI"</a:t>
+            </a:r>
+            <a:r>
+              <a:rPr kumimoji="0" lang="en-US" altLang="en-US" b="0" i="0" u="none" strike="noStrike" cap="none" normalizeH="0" baseline="0" dirty="0">
+                <a:ln>
+                  <a:noFill/>
+                </a:ln>
+                <a:solidFill>
+                  <a:srgbClr val="FFFFFF"/>
+                </a:solidFill>
+                <a:effectLst/>
+                <a:latin typeface="inherit"/>
+              </a:rPr>
+              <a:t>, </a:t>
+            </a:r>
+            <a:endParaRPr kumimoji="0" lang="en-US" altLang="en-US" sz="800" b="0" i="0" u="none" strike="noStrike" cap="none" normalizeH="0" baseline="0" dirty="0">
+              <a:ln>
+                <a:noFill/>
+              </a:ln>
+              <a:solidFill>
+                <a:schemeClr val="tx1"/>
+              </a:solidFill>
+              <a:effectLst/>
+            </a:endParaRPr>
+          </a:p>
+          <a:p>
+            <a:pPr lvl="3" eaLnBrk="0" fontAlgn="base" hangingPunct="0">
+              <a:spcBef>
+                <a:spcPct val="0"/>
+              </a:spcBef>
+              <a:spcAft>
+                <a:spcPct val="0"/>
+              </a:spcAft>
+            </a:pPr>
+            <a:r>
+              <a:rPr kumimoji="0" lang="en-US" altLang="en-US" b="0" i="0" u="none" strike="noStrike" cap="none" normalizeH="0" baseline="0" dirty="0">
+                <a:ln>
+                  <a:noFill/>
+                </a:ln>
+                <a:solidFill>
+                  <a:srgbClr val="FFFFFF"/>
+                </a:solidFill>
+                <a:effectLst/>
+                <a:latin typeface="inherit"/>
+              </a:rPr>
+              <a:t> </a:t>
+            </a:r>
+            <a:r>
+              <a:rPr kumimoji="0" lang="en-US" altLang="en-US" b="0" i="0" u="none" strike="noStrike" cap="none" normalizeH="0" baseline="0" dirty="0" err="1">
+                <a:ln>
+                  <a:noFill/>
+                </a:ln>
+                <a:solidFill>
+                  <a:srgbClr val="9A8297"/>
+                </a:solidFill>
+                <a:effectLst/>
+                <a:latin typeface="inherit"/>
+              </a:rPr>
+              <a:t>rollno</a:t>
+            </a:r>
+            <a:r>
+              <a:rPr kumimoji="0" lang="en-US" altLang="en-US" b="0" i="0" u="none" strike="noStrike" cap="none" normalizeH="0" baseline="0" dirty="0">
+                <a:ln>
+                  <a:noFill/>
+                </a:ln>
+                <a:solidFill>
+                  <a:srgbClr val="FFFFFF"/>
+                </a:solidFill>
+                <a:effectLst/>
+                <a:latin typeface="inherit"/>
+              </a:rPr>
+              <a:t> : </a:t>
+            </a:r>
+            <a:r>
+              <a:rPr kumimoji="0" lang="en-US" altLang="en-US" b="0" i="0" u="none" strike="noStrike" cap="none" normalizeH="0" baseline="0" dirty="0">
+                <a:ln>
+                  <a:noFill/>
+                </a:ln>
+                <a:solidFill>
+                  <a:srgbClr val="D0782A"/>
+                </a:solidFill>
+                <a:effectLst/>
+                <a:latin typeface="inherit"/>
+              </a:rPr>
+              <a:t>12</a:t>
+            </a:r>
+            <a:r>
+              <a:rPr kumimoji="0" lang="en-US" altLang="en-US" b="0" i="0" u="none" strike="noStrike" cap="none" normalizeH="0" baseline="0" dirty="0">
+                <a:ln>
+                  <a:noFill/>
+                </a:ln>
+                <a:solidFill>
+                  <a:srgbClr val="FFFFFF"/>
+                </a:solidFill>
+                <a:effectLst/>
+                <a:latin typeface="inherit"/>
+              </a:rPr>
+              <a:t> };</a:t>
+            </a:r>
+            <a:endParaRPr kumimoji="0" lang="en-US" altLang="en-US" sz="800" b="0" i="0" u="none" strike="noStrike" cap="none" normalizeH="0" baseline="0" dirty="0">
+              <a:ln>
+                <a:noFill/>
+              </a:ln>
+              <a:solidFill>
+                <a:schemeClr val="tx1"/>
+              </a:solidFill>
+              <a:effectLst/>
+            </a:endParaRPr>
+          </a:p>
+          <a:p>
+            <a:pPr lvl="3" eaLnBrk="0" fontAlgn="base" hangingPunct="0">
+              <a:spcBef>
+                <a:spcPct val="0"/>
+              </a:spcBef>
+              <a:spcAft>
+                <a:spcPct val="0"/>
+              </a:spcAft>
+            </a:pPr>
+            <a:r>
+              <a:rPr kumimoji="0" lang="en-US" altLang="en-US" b="0" i="0" u="none" strike="noStrike" cap="none" normalizeH="0" baseline="0" dirty="0">
+                <a:ln>
+                  <a:noFill/>
+                </a:ln>
+                <a:solidFill>
+                  <a:srgbClr val="DDCA7E"/>
+                </a:solidFill>
+                <a:effectLst/>
+                <a:latin typeface="inherit"/>
+              </a:rPr>
+              <a:t>console</a:t>
+            </a:r>
+            <a:r>
+              <a:rPr kumimoji="0" lang="en-US" altLang="en-US" b="0" i="0" u="none" strike="noStrike" cap="none" normalizeH="0" baseline="0" dirty="0">
+                <a:ln>
+                  <a:noFill/>
+                </a:ln>
+                <a:solidFill>
+                  <a:srgbClr val="FFFFFF"/>
+                </a:solidFill>
+                <a:effectLst/>
+                <a:latin typeface="inherit"/>
+              </a:rPr>
+              <a:t>.</a:t>
+            </a:r>
+            <a:r>
+              <a:rPr kumimoji="0" lang="en-US" altLang="en-US" b="0" i="0" u="none" strike="noStrike" cap="none" normalizeH="0" baseline="0" dirty="0">
+                <a:ln>
+                  <a:noFill/>
+                </a:ln>
+                <a:solidFill>
+                  <a:srgbClr val="9A8297"/>
+                </a:solidFill>
+                <a:effectLst/>
+                <a:latin typeface="inherit"/>
+              </a:rPr>
+              <a:t>log</a:t>
+            </a:r>
+            <a:r>
+              <a:rPr kumimoji="0" lang="en-US" altLang="en-US" b="0" i="0" u="none" strike="noStrike" cap="none" normalizeH="0" baseline="0" dirty="0">
+                <a:ln>
+                  <a:noFill/>
+                </a:ln>
+                <a:solidFill>
+                  <a:srgbClr val="FFFFFF"/>
+                </a:solidFill>
+                <a:effectLst/>
+                <a:latin typeface="inherit"/>
+              </a:rPr>
+              <a:t>(</a:t>
+            </a:r>
+            <a:r>
+              <a:rPr kumimoji="0" lang="en-US" altLang="en-US" b="0" i="0" u="none" strike="noStrike" cap="none" normalizeH="0" baseline="0" dirty="0">
+                <a:ln>
+                  <a:noFill/>
+                </a:ln>
+                <a:solidFill>
+                  <a:srgbClr val="DDCA7E"/>
+                </a:solidFill>
+                <a:effectLst/>
+                <a:latin typeface="inherit"/>
+              </a:rPr>
+              <a:t>student</a:t>
+            </a:r>
+            <a:r>
+              <a:rPr kumimoji="0" lang="en-US" altLang="en-US" b="0" i="0" u="none" strike="noStrike" cap="none" normalizeH="0" baseline="0" dirty="0">
+                <a:ln>
+                  <a:noFill/>
+                </a:ln>
+                <a:solidFill>
+                  <a:srgbClr val="FFFFFF"/>
+                </a:solidFill>
+                <a:effectLst/>
+                <a:latin typeface="inherit"/>
+              </a:rPr>
+              <a:t>);</a:t>
+            </a:r>
+            <a:endParaRPr kumimoji="0" lang="en-US" altLang="en-US" sz="800" b="0" i="0" u="none" strike="noStrike" cap="none" normalizeH="0" baseline="0" dirty="0">
+              <a:ln>
+                <a:noFill/>
+              </a:ln>
+              <a:solidFill>
+                <a:schemeClr val="tx1"/>
+              </a:solidFill>
+              <a:effectLst/>
+            </a:endParaRPr>
+          </a:p>
+          <a:p>
+            <a:pPr lvl="3" eaLnBrk="0" fontAlgn="base" hangingPunct="0">
+              <a:spcBef>
+                <a:spcPct val="0"/>
+              </a:spcBef>
+              <a:spcAft>
+                <a:spcPct val="0"/>
+              </a:spcAft>
+            </a:pPr>
+            <a:r>
+              <a:rPr kumimoji="0" lang="en-US" altLang="en-US" b="0" i="0" u="none" strike="noStrike" cap="none" normalizeH="0" baseline="0" dirty="0">
+                <a:ln>
+                  <a:noFill/>
+                </a:ln>
+                <a:solidFill>
+                  <a:srgbClr val="DDCA7E"/>
+                </a:solidFill>
+                <a:effectLst/>
+                <a:latin typeface="inherit"/>
+              </a:rPr>
+              <a:t>delete</a:t>
+            </a:r>
+            <a:r>
+              <a:rPr kumimoji="0" lang="en-US" altLang="en-US" b="0" i="0" u="none" strike="noStrike" cap="none" normalizeH="0" baseline="0" dirty="0">
+                <a:ln>
+                  <a:noFill/>
+                </a:ln>
+                <a:solidFill>
+                  <a:srgbClr val="FFFFFF"/>
+                </a:solidFill>
+                <a:effectLst/>
+                <a:latin typeface="inherit"/>
+              </a:rPr>
+              <a:t> </a:t>
+            </a:r>
+            <a:r>
+              <a:rPr kumimoji="0" lang="en-US" altLang="en-US" b="0" i="0" u="none" strike="noStrike" cap="none" normalizeH="0" baseline="0" dirty="0" err="1">
+                <a:ln>
+                  <a:noFill/>
+                </a:ln>
+                <a:solidFill>
+                  <a:srgbClr val="DDCA7E"/>
+                </a:solidFill>
+                <a:effectLst/>
+                <a:latin typeface="inherit"/>
+              </a:rPr>
+              <a:t>student</a:t>
+            </a:r>
+            <a:r>
+              <a:rPr kumimoji="0" lang="en-US" altLang="en-US" b="0" i="0" u="none" strike="noStrike" cap="none" normalizeH="0" baseline="0" dirty="0" err="1">
+                <a:ln>
+                  <a:noFill/>
+                </a:ln>
+                <a:solidFill>
+                  <a:srgbClr val="FFFFFF"/>
+                </a:solidFill>
+                <a:effectLst/>
+                <a:latin typeface="inherit"/>
+              </a:rPr>
+              <a:t>.</a:t>
+            </a:r>
+            <a:r>
+              <a:rPr kumimoji="0" lang="en-US" altLang="en-US" b="0" i="0" u="none" strike="noStrike" cap="none" normalizeH="0" baseline="0" dirty="0" err="1">
+                <a:ln>
+                  <a:noFill/>
+                </a:ln>
+                <a:solidFill>
+                  <a:srgbClr val="9A8297"/>
+                </a:solidFill>
+                <a:effectLst/>
+                <a:latin typeface="inherit"/>
+              </a:rPr>
+              <a:t>rollno</a:t>
+            </a:r>
+            <a:r>
+              <a:rPr kumimoji="0" lang="en-US" altLang="en-US" b="0" i="0" u="none" strike="noStrike" cap="none" normalizeH="0" baseline="0" dirty="0">
+                <a:ln>
+                  <a:noFill/>
+                </a:ln>
+                <a:solidFill>
+                  <a:srgbClr val="FFFFFF"/>
+                </a:solidFill>
+                <a:effectLst/>
+                <a:latin typeface="inherit"/>
+              </a:rPr>
+              <a:t>;</a:t>
+            </a:r>
+            <a:endParaRPr kumimoji="0" lang="en-US" altLang="en-US" sz="800" b="0" i="0" u="none" strike="noStrike" cap="none" normalizeH="0" baseline="0" dirty="0">
+              <a:ln>
+                <a:noFill/>
+              </a:ln>
+              <a:solidFill>
+                <a:schemeClr val="tx1"/>
+              </a:solidFill>
+              <a:effectLst/>
+            </a:endParaRPr>
+          </a:p>
+          <a:p>
+            <a:pPr lvl="3" eaLnBrk="0" fontAlgn="base" hangingPunct="0">
+              <a:spcBef>
+                <a:spcPct val="0"/>
+              </a:spcBef>
+              <a:spcAft>
+                <a:spcPct val="0"/>
+              </a:spcAft>
+            </a:pPr>
+            <a:r>
+              <a:rPr kumimoji="0" lang="en-US" altLang="en-US" b="0" i="0" u="none" strike="noStrike" cap="none" normalizeH="0" baseline="0" dirty="0">
+                <a:ln>
+                  <a:noFill/>
+                </a:ln>
+                <a:solidFill>
+                  <a:srgbClr val="DDCA7E"/>
+                </a:solidFill>
+                <a:effectLst/>
+                <a:latin typeface="inherit"/>
+              </a:rPr>
+              <a:t>console</a:t>
+            </a:r>
+            <a:r>
+              <a:rPr kumimoji="0" lang="en-US" altLang="en-US" b="0" i="0" u="none" strike="noStrike" cap="none" normalizeH="0" baseline="0" dirty="0">
+                <a:ln>
+                  <a:noFill/>
+                </a:ln>
+                <a:solidFill>
+                  <a:srgbClr val="FFFFFF"/>
+                </a:solidFill>
+                <a:effectLst/>
+                <a:latin typeface="inherit"/>
+              </a:rPr>
+              <a:t>.</a:t>
+            </a:r>
+            <a:r>
+              <a:rPr kumimoji="0" lang="en-US" altLang="en-US" b="0" i="0" u="none" strike="noStrike" cap="none" normalizeH="0" baseline="0" dirty="0">
+                <a:ln>
+                  <a:noFill/>
+                </a:ln>
+                <a:solidFill>
+                  <a:srgbClr val="9A8297"/>
+                </a:solidFill>
+                <a:effectLst/>
+                <a:latin typeface="inherit"/>
+              </a:rPr>
+              <a:t>log</a:t>
+            </a:r>
+            <a:r>
+              <a:rPr kumimoji="0" lang="en-US" altLang="en-US" b="0" i="0" u="none" strike="noStrike" cap="none" normalizeH="0" baseline="0" dirty="0">
+                <a:ln>
+                  <a:noFill/>
+                </a:ln>
+                <a:solidFill>
+                  <a:srgbClr val="FFFFFF"/>
+                </a:solidFill>
+                <a:effectLst/>
+                <a:latin typeface="inherit"/>
+              </a:rPr>
+              <a:t>(</a:t>
+            </a:r>
+            <a:r>
+              <a:rPr kumimoji="0" lang="en-US" altLang="en-US" b="0" i="0" u="none" strike="noStrike" cap="none" normalizeH="0" baseline="0" dirty="0">
+                <a:ln>
+                  <a:noFill/>
+                </a:ln>
+                <a:solidFill>
+                  <a:srgbClr val="DDCA7E"/>
+                </a:solidFill>
+                <a:effectLst/>
+                <a:latin typeface="inherit"/>
+              </a:rPr>
+              <a:t>student</a:t>
+            </a:r>
+            <a:r>
+              <a:rPr kumimoji="0" lang="en-US" altLang="en-US" b="0" i="0" u="none" strike="noStrike" cap="none" normalizeH="0" baseline="0" dirty="0">
+                <a:ln>
+                  <a:noFill/>
+                </a:ln>
+                <a:solidFill>
+                  <a:srgbClr val="FFFFFF"/>
+                </a:solidFill>
+                <a:effectLst/>
+                <a:latin typeface="inherit"/>
+              </a:rPr>
+              <a:t>);</a:t>
+            </a:r>
+          </a:p>
+          <a:p>
+            <a:endParaRPr lang="en-US" dirty="0"/>
+          </a:p>
+          <a:p>
+            <a:r>
+              <a:rPr lang="en-US" dirty="0"/>
+              <a:t>Task2</a:t>
+            </a:r>
+          </a:p>
+          <a:p>
+            <a:r>
+              <a:rPr kumimoji="0" lang="en-US" altLang="en-US" sz="1800" b="1" i="0" u="none" strike="noStrike" cap="none" normalizeH="0" baseline="0" dirty="0">
+                <a:ln>
+                  <a:noFill/>
+                </a:ln>
+                <a:solidFill>
+                  <a:srgbClr val="800000"/>
+                </a:solidFill>
+                <a:effectLst/>
+                <a:latin typeface="Courier New" panose="02070309020205020404" pitchFamily="49" charset="0"/>
+              </a:rPr>
+              <a:t>var</a:t>
+            </a:r>
+            <a:r>
+              <a:rPr kumimoji="0" lang="en-US" altLang="en-US" sz="1800" b="0" i="0" u="none" strike="noStrike" cap="none" normalizeH="0" baseline="0" dirty="0">
+                <a:ln>
+                  <a:noFill/>
+                </a:ln>
+                <a:solidFill>
+                  <a:srgbClr val="000000"/>
+                </a:solidFill>
+                <a:effectLst/>
+                <a:latin typeface="Courier New" panose="02070309020205020404" pitchFamily="49" charset="0"/>
+              </a:rPr>
+              <a:t> </a:t>
+            </a:r>
+            <a:r>
+              <a:rPr kumimoji="0" lang="en-US" altLang="en-US" sz="1800" b="0" i="0" u="none" strike="noStrike" cap="none" normalizeH="0" baseline="0" dirty="0" err="1">
+                <a:ln>
+                  <a:noFill/>
+                </a:ln>
+                <a:solidFill>
+                  <a:srgbClr val="000000"/>
+                </a:solidFill>
+                <a:effectLst/>
+                <a:latin typeface="Courier New" panose="02070309020205020404" pitchFamily="49" charset="0"/>
+              </a:rPr>
+              <a:t>arr</a:t>
+            </a:r>
+            <a:r>
+              <a:rPr kumimoji="0" lang="en-US" altLang="en-US" sz="1800" b="0" i="0" u="none" strike="noStrike" cap="none" normalizeH="0" baseline="0" dirty="0">
+                <a:ln>
+                  <a:noFill/>
+                </a:ln>
+                <a:solidFill>
+                  <a:srgbClr val="000000"/>
+                </a:solidFill>
+                <a:effectLst/>
+                <a:latin typeface="Courier New" panose="02070309020205020404" pitchFamily="49" charset="0"/>
+              </a:rPr>
+              <a:t> </a:t>
+            </a:r>
+            <a:r>
+              <a:rPr kumimoji="0" lang="en-US" altLang="en-US" sz="1800" b="0" i="0" u="none" strike="noStrike" cap="none" normalizeH="0" baseline="0" dirty="0">
+                <a:ln>
+                  <a:noFill/>
+                </a:ln>
+                <a:solidFill>
+                  <a:srgbClr val="808030"/>
+                </a:solidFill>
+                <a:effectLst/>
+                <a:latin typeface="Courier New" panose="02070309020205020404" pitchFamily="49" charset="0"/>
+              </a:rPr>
+              <a:t>=</a:t>
+            </a:r>
+            <a:r>
+              <a:rPr kumimoji="0" lang="en-US" altLang="en-US" sz="1800" b="0" i="0" u="none" strike="noStrike" cap="none" normalizeH="0" baseline="0" dirty="0">
+                <a:ln>
+                  <a:noFill/>
+                </a:ln>
+                <a:solidFill>
+                  <a:srgbClr val="000000"/>
+                </a:solidFill>
+                <a:effectLst/>
+                <a:latin typeface="Courier New" panose="02070309020205020404" pitchFamily="49" charset="0"/>
+              </a:rPr>
+              <a:t> </a:t>
+            </a:r>
+            <a:r>
+              <a:rPr kumimoji="0" lang="en-US" altLang="en-US" sz="1800" b="0" i="0" u="none" strike="noStrike" cap="none" normalizeH="0" baseline="0" dirty="0">
+                <a:ln>
+                  <a:noFill/>
+                </a:ln>
+                <a:solidFill>
+                  <a:srgbClr val="808030"/>
+                </a:solidFill>
+                <a:effectLst/>
+                <a:latin typeface="Courier New" panose="02070309020205020404" pitchFamily="49" charset="0"/>
+              </a:rPr>
+              <a:t>[</a:t>
+            </a:r>
+            <a:r>
+              <a:rPr kumimoji="0" lang="en-US" altLang="en-US" sz="1800" b="0" i="0" u="none" strike="noStrike" cap="none" normalizeH="0" baseline="0" dirty="0">
+                <a:ln>
+                  <a:noFill/>
+                </a:ln>
+                <a:solidFill>
+                  <a:srgbClr val="008C00"/>
+                </a:solidFill>
+                <a:effectLst/>
+                <a:latin typeface="Courier New" panose="02070309020205020404" pitchFamily="49" charset="0"/>
+              </a:rPr>
+              <a:t>1</a:t>
+            </a:r>
+            <a:r>
+              <a:rPr kumimoji="0" lang="en-US" altLang="en-US" sz="1800" b="0" i="0" u="none" strike="noStrike" cap="none" normalizeH="0" baseline="0" dirty="0">
+                <a:ln>
+                  <a:noFill/>
+                </a:ln>
+                <a:solidFill>
+                  <a:srgbClr val="808030"/>
+                </a:solidFill>
+                <a:effectLst/>
+                <a:latin typeface="Courier New" panose="02070309020205020404" pitchFamily="49" charset="0"/>
+              </a:rPr>
+              <a:t>,</a:t>
+            </a:r>
+            <a:r>
+              <a:rPr kumimoji="0" lang="en-US" altLang="en-US" sz="1800" b="0" i="0" u="none" strike="noStrike" cap="none" normalizeH="0" baseline="0" dirty="0">
+                <a:ln>
+                  <a:noFill/>
+                </a:ln>
+                <a:solidFill>
+                  <a:srgbClr val="008C00"/>
+                </a:solidFill>
+                <a:effectLst/>
+                <a:latin typeface="Courier New" panose="02070309020205020404" pitchFamily="49" charset="0"/>
+              </a:rPr>
+              <a:t>2</a:t>
+            </a:r>
+            <a:r>
+              <a:rPr kumimoji="0" lang="en-US" altLang="en-US" sz="1800" b="0" i="0" u="none" strike="noStrike" cap="none" normalizeH="0" baseline="0" dirty="0">
+                <a:ln>
+                  <a:noFill/>
+                </a:ln>
+                <a:solidFill>
+                  <a:srgbClr val="808030"/>
+                </a:solidFill>
+                <a:effectLst/>
+                <a:latin typeface="Courier New" panose="02070309020205020404" pitchFamily="49" charset="0"/>
+              </a:rPr>
+              <a:t>,</a:t>
+            </a:r>
+            <a:r>
+              <a:rPr kumimoji="0" lang="en-US" altLang="en-US" sz="1800" b="0" i="0" u="none" strike="noStrike" cap="none" normalizeH="0" baseline="0" dirty="0">
+                <a:ln>
+                  <a:noFill/>
+                </a:ln>
+                <a:solidFill>
+                  <a:srgbClr val="008C00"/>
+                </a:solidFill>
+                <a:effectLst/>
+                <a:latin typeface="Courier New" panose="02070309020205020404" pitchFamily="49" charset="0"/>
+              </a:rPr>
+              <a:t>3</a:t>
+            </a:r>
+            <a:r>
+              <a:rPr kumimoji="0" lang="en-US" altLang="en-US" sz="1800" b="0" i="0" u="none" strike="noStrike" cap="none" normalizeH="0" baseline="0" dirty="0">
+                <a:ln>
+                  <a:noFill/>
+                </a:ln>
+                <a:solidFill>
+                  <a:srgbClr val="808030"/>
+                </a:solidFill>
+                <a:effectLst/>
+                <a:latin typeface="Courier New" panose="02070309020205020404" pitchFamily="49" charset="0"/>
+              </a:rPr>
+              <a:t>,</a:t>
+            </a:r>
+            <a:r>
+              <a:rPr kumimoji="0" lang="en-US" altLang="en-US" sz="1800" b="0" i="0" u="none" strike="noStrike" cap="none" normalizeH="0" baseline="0" dirty="0">
+                <a:ln>
+                  <a:noFill/>
+                </a:ln>
+                <a:solidFill>
+                  <a:srgbClr val="008C00"/>
+                </a:solidFill>
+                <a:effectLst/>
+                <a:latin typeface="Courier New" panose="02070309020205020404" pitchFamily="49" charset="0"/>
+              </a:rPr>
+              <a:t>4</a:t>
+            </a:r>
+            <a:r>
+              <a:rPr kumimoji="0" lang="en-US" altLang="en-US" sz="1800" b="0" i="0" u="none" strike="noStrike" cap="none" normalizeH="0" baseline="0" dirty="0">
+                <a:ln>
+                  <a:noFill/>
+                </a:ln>
+                <a:solidFill>
+                  <a:srgbClr val="808030"/>
+                </a:solidFill>
+                <a:effectLst/>
+                <a:latin typeface="Courier New" panose="02070309020205020404" pitchFamily="49" charset="0"/>
+              </a:rPr>
+              <a:t>,</a:t>
+            </a:r>
+            <a:r>
+              <a:rPr kumimoji="0" lang="en-US" altLang="en-US" sz="1800" b="0" i="0" u="none" strike="noStrike" cap="none" normalizeH="0" baseline="0" dirty="0">
+                <a:ln>
+                  <a:noFill/>
+                </a:ln>
+                <a:solidFill>
+                  <a:srgbClr val="008C00"/>
+                </a:solidFill>
+                <a:effectLst/>
+                <a:latin typeface="Courier New" panose="02070309020205020404" pitchFamily="49" charset="0"/>
+              </a:rPr>
+              <a:t>5</a:t>
+            </a:r>
+            <a:r>
+              <a:rPr kumimoji="0" lang="en-US" altLang="en-US" sz="1800" b="0" i="0" u="none" strike="noStrike" cap="none" normalizeH="0" baseline="0" dirty="0">
+                <a:ln>
+                  <a:noFill/>
+                </a:ln>
+                <a:solidFill>
+                  <a:srgbClr val="808030"/>
+                </a:solidFill>
+                <a:effectLst/>
+                <a:latin typeface="Courier New" panose="02070309020205020404" pitchFamily="49" charset="0"/>
+              </a:rPr>
+              <a:t>]</a:t>
+            </a:r>
+            <a:r>
+              <a:rPr kumimoji="0" lang="en-US" altLang="en-US" sz="1800" b="0" i="0" u="none" strike="noStrike" cap="none" normalizeH="0" baseline="0" dirty="0">
+                <a:ln>
+                  <a:noFill/>
+                </a:ln>
+                <a:solidFill>
+                  <a:srgbClr val="800080"/>
+                </a:solidFill>
+                <a:effectLst/>
+                <a:latin typeface="Courier New" panose="02070309020205020404" pitchFamily="49" charset="0"/>
+              </a:rPr>
+              <a:t>;</a:t>
+            </a:r>
+          </a:p>
+          <a:p>
+            <a:r>
+              <a:rPr kumimoji="0" lang="en-US" altLang="en-US" sz="1800" b="0" i="0" u="none" strike="noStrike" cap="none" normalizeH="0" baseline="0" dirty="0">
+                <a:ln>
+                  <a:noFill/>
+                </a:ln>
+                <a:solidFill>
+                  <a:srgbClr val="000000"/>
+                </a:solidFill>
+                <a:effectLst/>
+                <a:latin typeface="Courier New" panose="02070309020205020404" pitchFamily="49" charset="0"/>
+              </a:rPr>
+              <a:t> </a:t>
+            </a:r>
+            <a:r>
+              <a:rPr kumimoji="0" lang="en-US" altLang="en-US" sz="1800" b="1" i="0" u="none" strike="noStrike" cap="none" normalizeH="0" baseline="0" dirty="0">
+                <a:ln>
+                  <a:noFill/>
+                </a:ln>
+                <a:solidFill>
+                  <a:srgbClr val="800000"/>
+                </a:solidFill>
+                <a:effectLst/>
+                <a:latin typeface="Courier New" panose="02070309020205020404" pitchFamily="49" charset="0"/>
+              </a:rPr>
+              <a:t>var</a:t>
+            </a:r>
+            <a:r>
+              <a:rPr kumimoji="0" lang="en-US" altLang="en-US" sz="1800" b="0" i="0" u="none" strike="noStrike" cap="none" normalizeH="0" baseline="0" dirty="0">
+                <a:ln>
+                  <a:noFill/>
+                </a:ln>
+                <a:solidFill>
+                  <a:srgbClr val="000000"/>
+                </a:solidFill>
+                <a:effectLst/>
+                <a:latin typeface="Courier New" panose="02070309020205020404" pitchFamily="49" charset="0"/>
+              </a:rPr>
+              <a:t> size </a:t>
+            </a:r>
+            <a:r>
+              <a:rPr kumimoji="0" lang="en-US" altLang="en-US" sz="1800" b="0" i="0" u="none" strike="noStrike" cap="none" normalizeH="0" baseline="0" dirty="0">
+                <a:ln>
+                  <a:noFill/>
+                </a:ln>
+                <a:solidFill>
+                  <a:srgbClr val="808030"/>
+                </a:solidFill>
+                <a:effectLst/>
+                <a:latin typeface="Courier New" panose="02070309020205020404" pitchFamily="49" charset="0"/>
+              </a:rPr>
+              <a:t>=</a:t>
+            </a:r>
+            <a:r>
+              <a:rPr kumimoji="0" lang="en-US" altLang="en-US" sz="1800" b="0" i="0" u="none" strike="noStrike" cap="none" normalizeH="0" baseline="0" dirty="0">
+                <a:ln>
+                  <a:noFill/>
+                </a:ln>
+                <a:solidFill>
+                  <a:srgbClr val="000000"/>
+                </a:solidFill>
+                <a:effectLst/>
+                <a:latin typeface="Courier New" panose="02070309020205020404" pitchFamily="49" charset="0"/>
+              </a:rPr>
+              <a:t> </a:t>
+            </a:r>
+            <a:r>
+              <a:rPr kumimoji="0" lang="en-US" altLang="en-US" sz="1800" b="0" i="0" u="none" strike="noStrike" cap="none" normalizeH="0" baseline="0" dirty="0" err="1">
+                <a:ln>
+                  <a:noFill/>
+                </a:ln>
+                <a:solidFill>
+                  <a:srgbClr val="000000"/>
+                </a:solidFill>
+                <a:effectLst/>
+                <a:latin typeface="Courier New" panose="02070309020205020404" pitchFamily="49" charset="0"/>
+              </a:rPr>
+              <a:t>arr</a:t>
+            </a:r>
+            <a:r>
+              <a:rPr kumimoji="0" lang="en-US" altLang="en-US" sz="1800" b="0" i="0" u="none" strike="noStrike" cap="none" normalizeH="0" baseline="0" dirty="0" err="1">
+                <a:ln>
+                  <a:noFill/>
+                </a:ln>
+                <a:solidFill>
+                  <a:srgbClr val="808030"/>
+                </a:solidFill>
+                <a:effectLst/>
+                <a:latin typeface="Courier New" panose="02070309020205020404" pitchFamily="49" charset="0"/>
+              </a:rPr>
+              <a:t>.</a:t>
+            </a:r>
+            <a:r>
+              <a:rPr kumimoji="0" lang="en-US" altLang="en-US" sz="1800" b="1" i="0" u="none" strike="noStrike" cap="none" normalizeH="0" baseline="0" dirty="0" err="1">
+                <a:ln>
+                  <a:noFill/>
+                </a:ln>
+                <a:solidFill>
+                  <a:srgbClr val="800000"/>
+                </a:solidFill>
+                <a:effectLst/>
+                <a:latin typeface="Courier New" panose="02070309020205020404" pitchFamily="49" charset="0"/>
+              </a:rPr>
+              <a:t>length</a:t>
+            </a:r>
+            <a:r>
+              <a:rPr kumimoji="0" lang="en-US" altLang="en-US" sz="1800" b="0" i="0" u="none" strike="noStrike" cap="none" normalizeH="0" baseline="0" dirty="0">
+                <a:ln>
+                  <a:noFill/>
+                </a:ln>
+                <a:solidFill>
+                  <a:srgbClr val="800080"/>
+                </a:solidFill>
+                <a:effectLst/>
+                <a:latin typeface="Courier New" panose="02070309020205020404" pitchFamily="49" charset="0"/>
+              </a:rPr>
+              <a:t>;</a:t>
+            </a:r>
+          </a:p>
+          <a:p>
+            <a:r>
+              <a:rPr kumimoji="0" lang="en-US" altLang="en-US" sz="1800" b="0" i="0" u="none" strike="noStrike" cap="none" normalizeH="0" baseline="0" dirty="0">
+                <a:ln>
+                  <a:noFill/>
+                </a:ln>
+                <a:solidFill>
+                  <a:srgbClr val="000000"/>
+                </a:solidFill>
+                <a:effectLst/>
+                <a:latin typeface="Courier New" panose="02070309020205020404" pitchFamily="49" charset="0"/>
+              </a:rPr>
+              <a:t> </a:t>
+            </a:r>
+            <a:r>
+              <a:rPr kumimoji="0" lang="en-US" altLang="en-US" sz="1800" b="1" i="0" u="none" strike="noStrike" cap="none" normalizeH="0" baseline="0" dirty="0">
+                <a:ln>
+                  <a:noFill/>
+                </a:ln>
+                <a:solidFill>
+                  <a:srgbClr val="800000"/>
+                </a:solidFill>
+                <a:effectLst/>
+                <a:latin typeface="Courier New" panose="02070309020205020404" pitchFamily="49" charset="0"/>
+              </a:rPr>
+              <a:t>for</a:t>
+            </a:r>
+            <a:r>
+              <a:rPr kumimoji="0" lang="en-US" altLang="en-US" sz="1800" b="0" i="0" u="none" strike="noStrike" cap="none" normalizeH="0" baseline="0" dirty="0">
+                <a:ln>
+                  <a:noFill/>
+                </a:ln>
+                <a:solidFill>
+                  <a:srgbClr val="808030"/>
+                </a:solidFill>
+                <a:effectLst/>
+                <a:latin typeface="Courier New" panose="02070309020205020404" pitchFamily="49" charset="0"/>
+              </a:rPr>
+              <a:t>(</a:t>
+            </a:r>
+            <a:r>
+              <a:rPr kumimoji="0" lang="en-US" altLang="en-US" sz="1800" b="1" i="0" u="none" strike="noStrike" cap="none" normalizeH="0" baseline="0" dirty="0">
+                <a:ln>
+                  <a:noFill/>
+                </a:ln>
+                <a:solidFill>
+                  <a:srgbClr val="800000"/>
+                </a:solidFill>
+                <a:effectLst/>
+                <a:latin typeface="Courier New" panose="02070309020205020404" pitchFamily="49" charset="0"/>
+              </a:rPr>
+              <a:t>var</a:t>
+            </a:r>
+            <a:r>
+              <a:rPr kumimoji="0" lang="en-US" altLang="en-US" sz="1800" b="0" i="0" u="none" strike="noStrike" cap="none" normalizeH="0" baseline="0" dirty="0">
+                <a:ln>
+                  <a:noFill/>
+                </a:ln>
+                <a:solidFill>
+                  <a:srgbClr val="000000"/>
+                </a:solidFill>
+                <a:effectLst/>
+                <a:latin typeface="Courier New" panose="02070309020205020404" pitchFamily="49" charset="0"/>
+              </a:rPr>
+              <a:t> </a:t>
+            </a:r>
+            <a:r>
+              <a:rPr kumimoji="0" lang="en-US" altLang="en-US" sz="1800" b="0" i="0" u="none" strike="noStrike" cap="none" normalizeH="0" baseline="0" dirty="0" err="1">
+                <a:ln>
+                  <a:noFill/>
+                </a:ln>
+                <a:solidFill>
+                  <a:srgbClr val="000000"/>
+                </a:solidFill>
+                <a:effectLst/>
+                <a:latin typeface="Courier New" panose="02070309020205020404" pitchFamily="49" charset="0"/>
+              </a:rPr>
+              <a:t>i</a:t>
+            </a:r>
+            <a:r>
+              <a:rPr kumimoji="0" lang="en-US" altLang="en-US" sz="1800" b="0" i="0" u="none" strike="noStrike" cap="none" normalizeH="0" baseline="0" dirty="0">
+                <a:ln>
+                  <a:noFill/>
+                </a:ln>
+                <a:solidFill>
+                  <a:srgbClr val="808030"/>
+                </a:solidFill>
+                <a:effectLst/>
+                <a:latin typeface="Courier New" panose="02070309020205020404" pitchFamily="49" charset="0"/>
+              </a:rPr>
+              <a:t>=</a:t>
+            </a:r>
+            <a:r>
+              <a:rPr kumimoji="0" lang="en-US" altLang="en-US" sz="1800" b="0" i="0" u="none" strike="noStrike" cap="none" normalizeH="0" baseline="0" dirty="0">
+                <a:ln>
+                  <a:noFill/>
+                </a:ln>
+                <a:solidFill>
+                  <a:srgbClr val="000000"/>
+                </a:solidFill>
+                <a:effectLst/>
+                <a:latin typeface="Courier New" panose="02070309020205020404" pitchFamily="49" charset="0"/>
+              </a:rPr>
+              <a:t>size</a:t>
+            </a:r>
+            <a:r>
+              <a:rPr kumimoji="0" lang="en-US" altLang="en-US" sz="1800" b="0" i="0" u="none" strike="noStrike" cap="none" normalizeH="0" baseline="0" dirty="0">
+                <a:ln>
+                  <a:noFill/>
+                </a:ln>
+                <a:solidFill>
+                  <a:srgbClr val="808030"/>
+                </a:solidFill>
+                <a:effectLst/>
+                <a:latin typeface="Courier New" panose="02070309020205020404" pitchFamily="49" charset="0"/>
+              </a:rPr>
+              <a:t>-</a:t>
+            </a:r>
+            <a:r>
+              <a:rPr kumimoji="0" lang="en-US" altLang="en-US" sz="1800" b="0" i="0" u="none" strike="noStrike" cap="none" normalizeH="0" baseline="0" dirty="0">
+                <a:ln>
+                  <a:noFill/>
+                </a:ln>
+                <a:solidFill>
+                  <a:srgbClr val="008C00"/>
+                </a:solidFill>
+                <a:effectLst/>
+                <a:latin typeface="Courier New" panose="02070309020205020404" pitchFamily="49" charset="0"/>
+              </a:rPr>
+              <a:t>1</a:t>
+            </a:r>
+            <a:r>
+              <a:rPr kumimoji="0" lang="en-US" altLang="en-US" sz="1800" b="0" i="0" u="none" strike="noStrike" cap="none" normalizeH="0" baseline="0" dirty="0">
+                <a:ln>
+                  <a:noFill/>
+                </a:ln>
+                <a:solidFill>
+                  <a:srgbClr val="800080"/>
+                </a:solidFill>
+                <a:effectLst/>
+                <a:latin typeface="Courier New" panose="02070309020205020404" pitchFamily="49" charset="0"/>
+              </a:rPr>
+              <a:t>;</a:t>
+            </a:r>
+            <a:r>
+              <a:rPr kumimoji="0" lang="en-US" altLang="en-US" sz="1800" b="0" i="0" u="none" strike="noStrike" cap="none" normalizeH="0" baseline="0" dirty="0">
+                <a:ln>
+                  <a:noFill/>
+                </a:ln>
+                <a:solidFill>
+                  <a:srgbClr val="000000"/>
+                </a:solidFill>
+                <a:effectLst/>
+                <a:latin typeface="Courier New" panose="02070309020205020404" pitchFamily="49" charset="0"/>
+              </a:rPr>
+              <a:t> </a:t>
+            </a:r>
+            <a:r>
+              <a:rPr kumimoji="0" lang="en-US" altLang="en-US" sz="1800" b="0" i="0" u="none" strike="noStrike" cap="none" normalizeH="0" baseline="0" dirty="0" err="1">
+                <a:ln>
+                  <a:noFill/>
+                </a:ln>
+                <a:solidFill>
+                  <a:srgbClr val="000000"/>
+                </a:solidFill>
+                <a:effectLst/>
+                <a:latin typeface="Courier New" panose="02070309020205020404" pitchFamily="49" charset="0"/>
+              </a:rPr>
+              <a:t>i</a:t>
+            </a:r>
+            <a:r>
+              <a:rPr kumimoji="0" lang="en-US" altLang="en-US" sz="1800" b="0" i="0" u="none" strike="noStrike" cap="none" normalizeH="0" baseline="0" dirty="0">
+                <a:ln>
+                  <a:noFill/>
+                </a:ln>
+                <a:solidFill>
+                  <a:srgbClr val="808030"/>
+                </a:solidFill>
+                <a:effectLst/>
+                <a:latin typeface="Courier New" panose="02070309020205020404" pitchFamily="49" charset="0"/>
+              </a:rPr>
+              <a:t>&gt;=</a:t>
+            </a:r>
+            <a:r>
+              <a:rPr kumimoji="0" lang="en-US" altLang="en-US" sz="1800" b="0" i="0" u="none" strike="noStrike" cap="none" normalizeH="0" baseline="0" dirty="0">
+                <a:ln>
+                  <a:noFill/>
+                </a:ln>
+                <a:solidFill>
+                  <a:srgbClr val="008C00"/>
+                </a:solidFill>
+                <a:effectLst/>
+                <a:latin typeface="Courier New" panose="02070309020205020404" pitchFamily="49" charset="0"/>
+              </a:rPr>
+              <a:t>0</a:t>
+            </a:r>
+            <a:r>
+              <a:rPr kumimoji="0" lang="en-US" altLang="en-US" sz="1800" b="0" i="0" u="none" strike="noStrike" cap="none" normalizeH="0" baseline="0" dirty="0">
+                <a:ln>
+                  <a:noFill/>
+                </a:ln>
+                <a:solidFill>
+                  <a:srgbClr val="800080"/>
+                </a:solidFill>
+                <a:effectLst/>
+                <a:latin typeface="Courier New" panose="02070309020205020404" pitchFamily="49" charset="0"/>
+              </a:rPr>
+              <a:t>;</a:t>
+            </a:r>
+            <a:r>
+              <a:rPr kumimoji="0" lang="en-US" altLang="en-US" sz="1800" b="0" i="0" u="none" strike="noStrike" cap="none" normalizeH="0" baseline="0" dirty="0">
+                <a:ln>
+                  <a:noFill/>
+                </a:ln>
+                <a:solidFill>
+                  <a:srgbClr val="000000"/>
+                </a:solidFill>
+                <a:effectLst/>
+                <a:latin typeface="Courier New" panose="02070309020205020404" pitchFamily="49" charset="0"/>
+              </a:rPr>
+              <a:t> </a:t>
+            </a:r>
+            <a:r>
+              <a:rPr kumimoji="0" lang="en-US" altLang="en-US" sz="1800" b="0" i="0" u="none" strike="noStrike" cap="none" normalizeH="0" baseline="0" dirty="0" err="1">
+                <a:ln>
+                  <a:noFill/>
+                </a:ln>
+                <a:solidFill>
+                  <a:srgbClr val="000000"/>
+                </a:solidFill>
+                <a:effectLst/>
+                <a:latin typeface="Courier New" panose="02070309020205020404" pitchFamily="49" charset="0"/>
+              </a:rPr>
+              <a:t>i</a:t>
+            </a:r>
+            <a:r>
+              <a:rPr kumimoji="0" lang="en-US" altLang="en-US" sz="1800" b="0" i="0" u="none" strike="noStrike" cap="none" normalizeH="0" baseline="0" dirty="0">
+                <a:ln>
+                  <a:noFill/>
+                </a:ln>
+                <a:solidFill>
+                  <a:srgbClr val="808030"/>
+                </a:solidFill>
+                <a:effectLst/>
+                <a:latin typeface="Courier New" panose="02070309020205020404" pitchFamily="49" charset="0"/>
+              </a:rPr>
+              <a:t>--)</a:t>
+            </a:r>
+            <a:r>
+              <a:rPr kumimoji="0" lang="en-US" altLang="en-US" sz="1800" b="0" i="0" u="none" strike="noStrike" cap="none" normalizeH="0" baseline="0" dirty="0">
+                <a:ln>
+                  <a:noFill/>
+                </a:ln>
+                <a:solidFill>
+                  <a:srgbClr val="000000"/>
+                </a:solidFill>
+                <a:effectLst/>
+                <a:latin typeface="Courier New" panose="02070309020205020404" pitchFamily="49" charset="0"/>
+              </a:rPr>
+              <a:t> </a:t>
+            </a:r>
+          </a:p>
+          <a:p>
+            <a:r>
+              <a:rPr kumimoji="0" lang="en-US" altLang="en-US" sz="1800" b="0" i="0" u="none" strike="noStrike" cap="none" normalizeH="0" baseline="0" dirty="0">
+                <a:ln>
+                  <a:noFill/>
+                </a:ln>
+                <a:solidFill>
+                  <a:srgbClr val="800080"/>
+                </a:solidFill>
+                <a:effectLst/>
+                <a:latin typeface="Courier New" panose="02070309020205020404" pitchFamily="49" charset="0"/>
+              </a:rPr>
+              <a:t>{</a:t>
+            </a:r>
+          </a:p>
+          <a:p>
+            <a:r>
+              <a:rPr kumimoji="0" lang="en-US" altLang="en-US" sz="1800" b="0" i="0" u="none" strike="noStrike" cap="none" normalizeH="0" baseline="0" dirty="0">
+                <a:ln>
+                  <a:noFill/>
+                </a:ln>
+                <a:solidFill>
+                  <a:srgbClr val="000000"/>
+                </a:solidFill>
+                <a:effectLst/>
+                <a:latin typeface="Courier New" panose="02070309020205020404" pitchFamily="49" charset="0"/>
+              </a:rPr>
+              <a:t> console</a:t>
+            </a:r>
+            <a:r>
+              <a:rPr kumimoji="0" lang="en-US" altLang="en-US" sz="1800" b="0" i="0" u="none" strike="noStrike" cap="none" normalizeH="0" baseline="0" dirty="0">
+                <a:ln>
+                  <a:noFill/>
+                </a:ln>
+                <a:solidFill>
+                  <a:srgbClr val="808030"/>
+                </a:solidFill>
+                <a:effectLst/>
+                <a:latin typeface="Courier New" panose="02070309020205020404" pitchFamily="49" charset="0"/>
+              </a:rPr>
+              <a:t>.</a:t>
+            </a:r>
+            <a:r>
+              <a:rPr kumimoji="0" lang="en-US" altLang="en-US" sz="1800" b="1" i="0" u="none" strike="noStrike" cap="none" normalizeH="0" baseline="0" dirty="0">
+                <a:ln>
+                  <a:noFill/>
+                </a:ln>
+                <a:solidFill>
+                  <a:srgbClr val="800000"/>
+                </a:solidFill>
+                <a:effectLst/>
+                <a:latin typeface="Courier New" panose="02070309020205020404" pitchFamily="49" charset="0"/>
+              </a:rPr>
+              <a:t>log</a:t>
+            </a:r>
+            <a:r>
+              <a:rPr kumimoji="0" lang="en-US" altLang="en-US" sz="1800" b="0" i="0" u="none" strike="noStrike" cap="none" normalizeH="0" baseline="0" dirty="0">
+                <a:ln>
+                  <a:noFill/>
+                </a:ln>
+                <a:solidFill>
+                  <a:srgbClr val="808030"/>
+                </a:solidFill>
+                <a:effectLst/>
+                <a:latin typeface="Courier New" panose="02070309020205020404" pitchFamily="49" charset="0"/>
+              </a:rPr>
+              <a:t>(</a:t>
+            </a:r>
+            <a:r>
+              <a:rPr kumimoji="0" lang="en-US" altLang="en-US" sz="1800" b="0" i="0" u="none" strike="noStrike" cap="none" normalizeH="0" baseline="0" dirty="0">
+                <a:ln>
+                  <a:noFill/>
+                </a:ln>
+                <a:solidFill>
+                  <a:srgbClr val="000000"/>
+                </a:solidFill>
+                <a:effectLst/>
+                <a:latin typeface="Courier New" panose="02070309020205020404" pitchFamily="49" charset="0"/>
+              </a:rPr>
+              <a:t>`Element $</a:t>
+            </a:r>
+            <a:r>
+              <a:rPr kumimoji="0" lang="en-US" altLang="en-US" sz="1800" b="0" i="0" u="none" strike="noStrike" cap="none" normalizeH="0" baseline="0" dirty="0">
+                <a:ln>
+                  <a:noFill/>
+                </a:ln>
+                <a:solidFill>
+                  <a:srgbClr val="800080"/>
+                </a:solidFill>
+                <a:effectLst/>
+                <a:latin typeface="Courier New" panose="02070309020205020404" pitchFamily="49" charset="0"/>
+              </a:rPr>
+              <a:t>{</a:t>
+            </a:r>
+            <a:r>
+              <a:rPr kumimoji="0" lang="en-US" altLang="en-US" sz="1800" b="0" i="0" u="none" strike="noStrike" cap="none" normalizeH="0" baseline="0" dirty="0">
+                <a:ln>
+                  <a:noFill/>
+                </a:ln>
+                <a:solidFill>
+                  <a:srgbClr val="000000"/>
+                </a:solidFill>
+                <a:effectLst/>
+                <a:latin typeface="Courier New" panose="02070309020205020404" pitchFamily="49" charset="0"/>
+              </a:rPr>
+              <a:t>i</a:t>
+            </a:r>
+            <a:r>
+              <a:rPr kumimoji="0" lang="en-US" altLang="en-US" sz="1800" b="0" i="0" u="none" strike="noStrike" cap="none" normalizeH="0" baseline="0" dirty="0">
+                <a:ln>
+                  <a:noFill/>
+                </a:ln>
+                <a:solidFill>
+                  <a:srgbClr val="808030"/>
+                </a:solidFill>
+                <a:effectLst/>
+                <a:latin typeface="Courier New" panose="02070309020205020404" pitchFamily="49" charset="0"/>
+              </a:rPr>
+              <a:t>+</a:t>
+            </a:r>
+            <a:r>
+              <a:rPr kumimoji="0" lang="en-US" altLang="en-US" sz="1800" b="0" i="0" u="none" strike="noStrike" cap="none" normalizeH="0" baseline="0" dirty="0">
+                <a:ln>
+                  <a:noFill/>
+                </a:ln>
+                <a:solidFill>
+                  <a:srgbClr val="008C00"/>
+                </a:solidFill>
+                <a:effectLst/>
+                <a:latin typeface="Courier New" panose="02070309020205020404" pitchFamily="49" charset="0"/>
+              </a:rPr>
+              <a:t>1</a:t>
+            </a:r>
+            <a:r>
+              <a:rPr kumimoji="0" lang="en-US" altLang="en-US" sz="1800" b="0" i="0" u="none" strike="noStrike" cap="none" normalizeH="0" baseline="0" dirty="0">
+                <a:ln>
+                  <a:noFill/>
+                </a:ln>
+                <a:solidFill>
+                  <a:srgbClr val="800080"/>
+                </a:solidFill>
+                <a:effectLst/>
+                <a:latin typeface="Courier New" panose="02070309020205020404" pitchFamily="49" charset="0"/>
+              </a:rPr>
+              <a:t>}</a:t>
+            </a:r>
+            <a:r>
+              <a:rPr kumimoji="0" lang="en-US" altLang="en-US" sz="1800" b="0" i="0" u="none" strike="noStrike" cap="none" normalizeH="0" baseline="0" dirty="0">
+                <a:ln>
+                  <a:noFill/>
+                </a:ln>
+                <a:solidFill>
+                  <a:srgbClr val="000000"/>
+                </a:solidFill>
+                <a:effectLst/>
+                <a:latin typeface="Courier New" panose="02070309020205020404" pitchFamily="49" charset="0"/>
+              </a:rPr>
+              <a:t> is $</a:t>
+            </a:r>
+            <a:r>
+              <a:rPr kumimoji="0" lang="en-US" altLang="en-US" sz="1800" b="0" i="0" u="none" strike="noStrike" cap="none" normalizeH="0" baseline="0" dirty="0">
+                <a:ln>
+                  <a:noFill/>
+                </a:ln>
+                <a:solidFill>
+                  <a:srgbClr val="800080"/>
+                </a:solidFill>
+                <a:effectLst/>
+                <a:latin typeface="Courier New" panose="02070309020205020404" pitchFamily="49" charset="0"/>
+              </a:rPr>
+              <a:t>{</a:t>
+            </a:r>
+            <a:r>
+              <a:rPr kumimoji="0" lang="en-US" altLang="en-US" sz="1800" b="0" i="0" u="none" strike="noStrike" cap="none" normalizeH="0" baseline="0" dirty="0" err="1">
+                <a:ln>
+                  <a:noFill/>
+                </a:ln>
+                <a:solidFill>
+                  <a:srgbClr val="000000"/>
+                </a:solidFill>
+                <a:effectLst/>
+                <a:latin typeface="Courier New" panose="02070309020205020404" pitchFamily="49" charset="0"/>
+              </a:rPr>
+              <a:t>arr</a:t>
+            </a:r>
+            <a:r>
+              <a:rPr kumimoji="0" lang="en-US" altLang="en-US" sz="1800" b="0" i="0" u="none" strike="noStrike" cap="none" normalizeH="0" baseline="0" dirty="0">
+                <a:ln>
+                  <a:noFill/>
+                </a:ln>
+                <a:solidFill>
+                  <a:srgbClr val="808030"/>
+                </a:solidFill>
+                <a:effectLst/>
+                <a:latin typeface="Courier New" panose="02070309020205020404" pitchFamily="49" charset="0"/>
+              </a:rPr>
+              <a:t>[</a:t>
+            </a:r>
+            <a:r>
+              <a:rPr kumimoji="0" lang="en-US" altLang="en-US" sz="1800" b="0" i="0" u="none" strike="noStrike" cap="none" normalizeH="0" baseline="0" dirty="0" err="1">
+                <a:ln>
+                  <a:noFill/>
+                </a:ln>
+                <a:solidFill>
+                  <a:srgbClr val="000000"/>
+                </a:solidFill>
+                <a:effectLst/>
+                <a:latin typeface="Courier New" panose="02070309020205020404" pitchFamily="49" charset="0"/>
+              </a:rPr>
+              <a:t>i</a:t>
+            </a:r>
+            <a:r>
+              <a:rPr kumimoji="0" lang="en-US" altLang="en-US" sz="1800" b="0" i="0" u="none" strike="noStrike" cap="none" normalizeH="0" baseline="0" dirty="0">
+                <a:ln>
+                  <a:noFill/>
+                </a:ln>
+                <a:solidFill>
+                  <a:srgbClr val="808030"/>
+                </a:solidFill>
+                <a:effectLst/>
+                <a:latin typeface="Courier New" panose="02070309020205020404" pitchFamily="49" charset="0"/>
+              </a:rPr>
+              <a:t>]</a:t>
+            </a:r>
+            <a:r>
+              <a:rPr kumimoji="0" lang="en-US" altLang="en-US" sz="1800" b="0" i="0" u="none" strike="noStrike" cap="none" normalizeH="0" baseline="0" dirty="0">
+                <a:ln>
+                  <a:noFill/>
+                </a:ln>
+                <a:solidFill>
+                  <a:srgbClr val="800080"/>
+                </a:solidFill>
+                <a:effectLst/>
+                <a:latin typeface="Courier New" panose="02070309020205020404" pitchFamily="49" charset="0"/>
+              </a:rPr>
+              <a:t>}</a:t>
+            </a:r>
+            <a:r>
+              <a:rPr kumimoji="0" lang="en-US" altLang="en-US" sz="1800" b="0" i="0" u="none" strike="noStrike" cap="none" normalizeH="0" baseline="0" dirty="0">
+                <a:ln>
+                  <a:noFill/>
+                </a:ln>
+                <a:solidFill>
+                  <a:srgbClr val="000000"/>
+                </a:solidFill>
+                <a:effectLst/>
+                <a:latin typeface="Courier New" panose="02070309020205020404" pitchFamily="49" charset="0"/>
+              </a:rPr>
+              <a:t>`</a:t>
+            </a:r>
+            <a:r>
+              <a:rPr kumimoji="0" lang="en-US" altLang="en-US" sz="1800" b="0" i="0" u="none" strike="noStrike" cap="none" normalizeH="0" baseline="0" dirty="0">
+                <a:ln>
+                  <a:noFill/>
+                </a:ln>
+                <a:solidFill>
+                  <a:srgbClr val="808030"/>
+                </a:solidFill>
+                <a:effectLst/>
+                <a:latin typeface="Courier New" panose="02070309020205020404" pitchFamily="49" charset="0"/>
+              </a:rPr>
+              <a:t>)</a:t>
+            </a:r>
+            <a:r>
+              <a:rPr kumimoji="0" lang="en-US" altLang="en-US" sz="1800" b="0" i="0" u="none" strike="noStrike" cap="none" normalizeH="0" baseline="0" dirty="0">
+                <a:ln>
+                  <a:noFill/>
+                </a:ln>
+                <a:solidFill>
+                  <a:srgbClr val="800080"/>
+                </a:solidFill>
+                <a:effectLst/>
+                <a:latin typeface="Courier New" panose="02070309020205020404" pitchFamily="49" charset="0"/>
+              </a:rPr>
+              <a:t>;</a:t>
+            </a:r>
+            <a:r>
+              <a:rPr kumimoji="0" lang="en-US" altLang="en-US" sz="1800" b="0" i="0" u="none" strike="noStrike" cap="none" normalizeH="0" baseline="0" dirty="0">
+                <a:ln>
+                  <a:noFill/>
+                </a:ln>
+                <a:solidFill>
+                  <a:srgbClr val="000000"/>
+                </a:solidFill>
+                <a:effectLst/>
+                <a:latin typeface="Courier New" panose="02070309020205020404" pitchFamily="49" charset="0"/>
+              </a:rPr>
+              <a:t> </a:t>
+            </a:r>
+          </a:p>
+          <a:p>
+            <a:r>
+              <a:rPr kumimoji="0" lang="en-US" altLang="en-US" sz="1800" b="0" i="0" u="none" strike="noStrike" cap="none" normalizeH="0" baseline="0" dirty="0">
+                <a:ln>
+                  <a:noFill/>
+                </a:ln>
+                <a:solidFill>
+                  <a:srgbClr val="800080"/>
+                </a:solidFill>
+                <a:effectLst/>
+                <a:latin typeface="Courier New" panose="02070309020205020404" pitchFamily="49" charset="0"/>
+              </a:rPr>
+              <a:t>}</a:t>
+            </a:r>
+            <a:r>
+              <a:rPr kumimoji="0" lang="en-US" altLang="en-US" sz="800" b="0" i="0" u="none" strike="noStrike" cap="none" normalizeH="0" baseline="0" dirty="0">
+                <a:ln>
+                  <a:noFill/>
+                </a:ln>
+                <a:solidFill>
+                  <a:schemeClr val="tx1"/>
+                </a:solidFill>
+                <a:effectLst/>
+              </a:rPr>
+              <a:t> </a:t>
+            </a:r>
+            <a:endParaRPr lang="en-US" altLang="en-US" sz="800" dirty="0"/>
+          </a:p>
+          <a:p>
+            <a:r>
+              <a:rPr lang="en-US" altLang="en-US" dirty="0">
+                <a:latin typeface="Arial" panose="020B0604020202020204" pitchFamily="34" charset="0"/>
+              </a:rPr>
+              <a:t>Task3:</a:t>
+            </a:r>
+          </a:p>
+          <a:p>
+            <a:r>
+              <a:rPr lang="en-US" altLang="en-US" dirty="0">
+                <a:latin typeface="Arial" panose="020B0604020202020204" pitchFamily="34" charset="0"/>
+              </a:rPr>
+              <a:t>const fun=()=&gt;{</a:t>
+            </a:r>
+          </a:p>
+          <a:p>
+            <a:r>
+              <a:rPr lang="en-US" altLang="en-US" dirty="0">
+                <a:latin typeface="Arial" panose="020B0604020202020204" pitchFamily="34" charset="0"/>
+              </a:rPr>
+              <a:t>c</a:t>
+            </a:r>
+            <a:r>
+              <a:rPr kumimoji="0" lang="en-US" altLang="en-US" b="0" i="0" u="none" strike="noStrike" cap="none" normalizeH="0" baseline="0" dirty="0">
+                <a:ln>
+                  <a:noFill/>
+                </a:ln>
+                <a:solidFill>
+                  <a:schemeClr val="tx1"/>
+                </a:solidFill>
+                <a:effectLst/>
+                <a:latin typeface="Arial" panose="020B0604020202020204" pitchFamily="34" charset="0"/>
+              </a:rPr>
+              <a:t>onst secret=“secret”;</a:t>
+            </a:r>
+          </a:p>
+          <a:p>
+            <a:r>
+              <a:rPr lang="en-US" altLang="en-US" dirty="0">
+                <a:latin typeface="Arial" panose="020B0604020202020204" pitchFamily="34" charset="0"/>
+              </a:rPr>
+              <a:t>return ()=&gt;secret;</a:t>
+            </a:r>
+          </a:p>
+          <a:p>
+            <a:r>
+              <a:rPr kumimoji="0" lang="en-US" altLang="en-US" b="0" i="0" u="none" strike="noStrike" cap="none" normalizeH="0" baseline="0" dirty="0">
+                <a:ln>
+                  <a:noFill/>
+                </a:ln>
+                <a:solidFill>
+                  <a:schemeClr val="tx1"/>
+                </a:solidFill>
+                <a:effectLst/>
+                <a:latin typeface="Arial" panose="020B0604020202020204" pitchFamily="34" charset="0"/>
+              </a:rPr>
+              <a:t>};</a:t>
+            </a:r>
+          </a:p>
+          <a:p>
+            <a:r>
+              <a:rPr lang="en-US" altLang="en-US" dirty="0">
+                <a:latin typeface="Arial" panose="020B0604020202020204" pitchFamily="34" charset="0"/>
+              </a:rPr>
+              <a:t>Const result=fun();</a:t>
+            </a:r>
+          </a:p>
+          <a:p>
+            <a:r>
+              <a:rPr kumimoji="0" lang="en-US" altLang="en-US" b="0" i="0" u="none" strike="noStrike" cap="none" normalizeH="0" baseline="0" dirty="0">
+                <a:ln>
+                  <a:noFill/>
+                </a:ln>
+                <a:solidFill>
+                  <a:schemeClr val="tx1"/>
+                </a:solidFill>
+                <a:effectLst/>
+                <a:latin typeface="Arial" panose="020B0604020202020204" pitchFamily="34" charset="0"/>
+              </a:rPr>
+              <a:t>Console.log(result);</a:t>
+            </a:r>
+          </a:p>
+          <a:p>
+            <a:endParaRPr lang="en-IN" dirty="0"/>
+          </a:p>
+        </p:txBody>
+      </p:sp>
+    </p:spTree>
+    <p:extLst>
+      <p:ext uri="{BB962C8B-B14F-4D97-AF65-F5344CB8AC3E}">
+        <p14:creationId xmlns:p14="http://schemas.microsoft.com/office/powerpoint/2010/main" val="1433039793"/>
       </p:ext>
     </p:extLst>
   </p:cSld>
@@ -5551,4 +8410,299 @@
   <a:objectDefaults/>
   <a:extraClrSchemeLst/>
 </a:theme>
+</file>
+
+<file path=ppt/theme/theme2.xml><?xml version="1.0" encoding="utf-8"?>
+<a:theme xmlns:a="http://schemas.openxmlformats.org/drawingml/2006/main" name="Office Theme">
+  <a:themeElements>
+    <a:clrScheme name="Office">
+      <a:dk1>
+        <a:sysClr val="windowText" lastClr="000000"/>
+      </a:dk1>
+      <a:lt1>
+        <a:sysClr val="window" lastClr="FFFFFF"/>
+      </a:lt1>
+      <a:dk2>
+        <a:srgbClr val="44546A"/>
+      </a:dk2>
+      <a:lt2>
+        <a:srgbClr val="E7E6E6"/>
+      </a:lt2>
+      <a:accent1>
+        <a:srgbClr val="4472C4"/>
+      </a:accent1>
+      <a:accent2>
+        <a:srgbClr val="ED7D31"/>
+      </a:accent2>
+      <a:accent3>
+        <a:srgbClr val="A5A5A5"/>
+      </a:accent3>
+      <a:accent4>
+        <a:srgbClr val="FFC000"/>
+      </a:accent4>
+      <a:accent5>
+        <a:srgbClr val="5B9BD5"/>
+      </a:accent5>
+      <a:accent6>
+        <a:srgbClr val="70AD47"/>
+      </a:accent6>
+      <a:hlink>
+        <a:srgbClr val="0563C1"/>
+      </a:hlink>
+      <a:folHlink>
+        <a:srgbClr val="954F72"/>
+      </a:folHlink>
+    </a:clrScheme>
+    <a:fontScheme name="Office">
+      <a:majorFont>
+        <a:latin typeface="Calibri Light" panose="020F0302020204030204"/>
+        <a:ea typeface=""/>
+        <a:cs typeface=""/>
+        <a:font script="Jpan" typeface="游ゴシック Light"/>
+        <a:font script="Hang" typeface="맑은 고딕"/>
+        <a:font script="Hans" typeface="等线 Light"/>
+        <a:font script="Hant" typeface="新細明體"/>
+        <a:font script="Arab" typeface="Times New Roman"/>
+        <a:font script="Hebr" typeface="Times New Roman"/>
+        <a:font script="Thai" typeface="Angsana New"/>
+        <a:font script="Ethi" typeface="Nyala"/>
+        <a:font script="Beng" typeface="Vrinda"/>
+        <a:font script="Gujr" typeface="Shruti"/>
+        <a:font script="Khmr" typeface="MoolBoran"/>
+        <a:font script="Knda" typeface="Tunga"/>
+        <a:font script="Guru" typeface="Raavi"/>
+        <a:font script="Cans" typeface="Euphemia"/>
+        <a:font script="Cher" typeface="Plantagenet Cherokee"/>
+        <a:font script="Yiii" typeface="Microsoft Yi Baiti"/>
+        <a:font script="Tibt" typeface="Microsoft Himalaya"/>
+        <a:font script="Thaa" typeface="MV Boli"/>
+        <a:font script="Deva" typeface="Mangal"/>
+        <a:font script="Telu" typeface="Gautami"/>
+        <a:font script="Taml" typeface="Latha"/>
+        <a:font script="Syrc" typeface="Estrangelo Edessa"/>
+        <a:font script="Orya" typeface="Kalinga"/>
+        <a:font script="Mlym" typeface="Kartika"/>
+        <a:font script="Laoo" typeface="DokChampa"/>
+        <a:font script="Sinh" typeface="Iskoola Pota"/>
+        <a:font script="Mong" typeface="Mongolian Baiti"/>
+        <a:font script="Viet" typeface="Times New Roman"/>
+        <a:font script="Uigh" typeface="Microsoft Uighur"/>
+        <a:font script="Geor" typeface="Sylfaen"/>
+        <a:font script="Armn" typeface="Arial"/>
+        <a:font script="Bugi" typeface="Leelawadee UI"/>
+        <a:font script="Bopo" typeface="Microsoft JhengHei"/>
+        <a:font script="Java" typeface="Javanese Text"/>
+        <a:font script="Lisu" typeface="Segoe UI"/>
+        <a:font script="Mymr" typeface="Myanmar Text"/>
+        <a:font script="Nkoo" typeface="Ebrima"/>
+        <a:font script="Olck" typeface="Nirmala UI"/>
+        <a:font script="Osma" typeface="Ebrima"/>
+        <a:font script="Phag" typeface="Phagspa"/>
+        <a:font script="Syrn" typeface="Estrangelo Edessa"/>
+        <a:font script="Syrj" typeface="Estrangelo Edessa"/>
+        <a:font script="Syre" typeface="Estrangelo Edessa"/>
+        <a:font script="Sora" typeface="Nirmala UI"/>
+        <a:font script="Tale" typeface="Microsoft Tai Le"/>
+        <a:font script="Talu" typeface="Microsoft New Tai Lue"/>
+        <a:font script="Tfng" typeface="Ebrima"/>
+      </a:majorFont>
+      <a:minorFont>
+        <a:latin typeface="Calibri" panose="020F0502020204030204"/>
+        <a:ea typeface=""/>
+        <a:cs typeface=""/>
+        <a:font script="Jpan" typeface="游ゴシック"/>
+        <a:font script="Hang" typeface="맑은 고딕"/>
+        <a:font script="Hans" typeface="等线"/>
+        <a:font script="Hant" typeface="新細明體"/>
+        <a:font script="Arab" typeface="Arial"/>
+        <a:font script="Hebr" typeface="Arial"/>
+        <a:font script="Thai" typeface="Cordia New"/>
+        <a:font script="Ethi" typeface="Nyala"/>
+        <a:font script="Beng" typeface="Vrinda"/>
+        <a:font script="Gujr" typeface="Shruti"/>
+        <a:font script="Khmr" typeface="DaunPenh"/>
+        <a:font script="Knda" typeface="Tunga"/>
+        <a:font script="Guru" typeface="Raavi"/>
+        <a:font script="Cans" typeface="Euphemia"/>
+        <a:font script="Cher" typeface="Plantagenet Cherokee"/>
+        <a:font script="Yiii" typeface="Microsoft Yi Baiti"/>
+        <a:font script="Tibt" typeface="Microsoft Himalaya"/>
+        <a:font script="Thaa" typeface="MV Boli"/>
+        <a:font script="Deva" typeface="Mangal"/>
+        <a:font script="Telu" typeface="Gautami"/>
+        <a:font script="Taml" typeface="Latha"/>
+        <a:font script="Syrc" typeface="Estrangelo Edessa"/>
+        <a:font script="Orya" typeface="Kalinga"/>
+        <a:font script="Mlym" typeface="Kartika"/>
+        <a:font script="Laoo" typeface="DokChampa"/>
+        <a:font script="Sinh" typeface="Iskoola Pota"/>
+        <a:font script="Mong" typeface="Mongolian Baiti"/>
+        <a:font script="Viet" typeface="Arial"/>
+        <a:font script="Uigh" typeface="Microsoft Uighur"/>
+        <a:font script="Geor" typeface="Sylfaen"/>
+        <a:font script="Armn" typeface="Arial"/>
+        <a:font script="Bugi" typeface="Leelawadee UI"/>
+        <a:font script="Bopo" typeface="Microsoft JhengHei"/>
+        <a:font script="Java" typeface="Javanese Text"/>
+        <a:font script="Lisu" typeface="Segoe UI"/>
+        <a:font script="Mymr" typeface="Myanmar Text"/>
+        <a:font script="Nkoo" typeface="Ebrima"/>
+        <a:font script="Olck" typeface="Nirmala UI"/>
+        <a:font script="Osma" typeface="Ebrima"/>
+        <a:font script="Phag" typeface="Phagspa"/>
+        <a:font script="Syrn" typeface="Estrangelo Edessa"/>
+        <a:font script="Syrj" typeface="Estrangelo Edessa"/>
+        <a:font script="Syre" typeface="Estrangelo Edessa"/>
+        <a:font script="Sora" typeface="Nirmala UI"/>
+        <a:font script="Tale" typeface="Microsoft Tai Le"/>
+        <a:font script="Talu" typeface="Microsoft New Tai Lue"/>
+        <a:font script="Tfng" typeface="Ebrima"/>
+      </a:minorFont>
+    </a:fontScheme>
+    <a:fmtScheme name="Office">
+      <a:fillStyleLst>
+        <a:solidFill>
+          <a:schemeClr val="phClr"/>
+        </a:solidFill>
+        <a:gradFill rotWithShape="1">
+          <a:gsLst>
+            <a:gs pos="0">
+              <a:schemeClr val="phClr">
+                <a:lumMod val="110000"/>
+                <a:satMod val="105000"/>
+                <a:tint val="67000"/>
+              </a:schemeClr>
+            </a:gs>
+            <a:gs pos="50000">
+              <a:schemeClr val="phClr">
+                <a:lumMod val="105000"/>
+                <a:satMod val="103000"/>
+                <a:tint val="73000"/>
+              </a:schemeClr>
+            </a:gs>
+            <a:gs pos="100000">
+              <a:schemeClr val="phClr">
+                <a:lumMod val="105000"/>
+                <a:satMod val="109000"/>
+                <a:tint val="81000"/>
+              </a:schemeClr>
+            </a:gs>
+          </a:gsLst>
+          <a:lin ang="5400000" scaled="0"/>
+        </a:gradFill>
+        <a:gradFill rotWithShape="1">
+          <a:gsLst>
+            <a:gs pos="0">
+              <a:schemeClr val="phClr">
+                <a:satMod val="103000"/>
+                <a:lumMod val="102000"/>
+                <a:tint val="94000"/>
+              </a:schemeClr>
+            </a:gs>
+            <a:gs pos="50000">
+              <a:schemeClr val="phClr">
+                <a:satMod val="110000"/>
+                <a:lumMod val="100000"/>
+                <a:shade val="100000"/>
+              </a:schemeClr>
+            </a:gs>
+            <a:gs pos="100000">
+              <a:schemeClr val="phClr">
+                <a:lumMod val="99000"/>
+                <a:satMod val="120000"/>
+                <a:shade val="78000"/>
+              </a:schemeClr>
+            </a:gs>
+          </a:gsLst>
+          <a:lin ang="5400000" scaled="0"/>
+        </a:gradFill>
+      </a:fillStyleLst>
+      <a:lnStyleLst>
+        <a:ln w="6350" cap="flat" cmpd="sng" algn="ctr">
+          <a:solidFill>
+            <a:schemeClr val="phClr"/>
+          </a:solidFill>
+          <a:prstDash val="solid"/>
+          <a:miter lim="800000"/>
+        </a:ln>
+        <a:ln w="12700" cap="flat" cmpd="sng" algn="ctr">
+          <a:solidFill>
+            <a:schemeClr val="phClr"/>
+          </a:solidFill>
+          <a:prstDash val="solid"/>
+          <a:miter lim="800000"/>
+        </a:ln>
+        <a:ln w="19050" cap="flat" cmpd="sng" algn="ctr">
+          <a:solidFill>
+            <a:schemeClr val="phClr"/>
+          </a:solidFill>
+          <a:prstDash val="solid"/>
+          <a:miter lim="800000"/>
+        </a:ln>
+      </a:lnStyleLst>
+      <a:effectStyleLst>
+        <a:effectStyle>
+          <a:effectLst/>
+        </a:effectStyle>
+        <a:effectStyle>
+          <a:effectLst/>
+        </a:effectStyle>
+        <a:effectStyle>
+          <a:effectLst>
+            <a:outerShdw blurRad="57150" dist="19050" dir="5400000" algn="ctr" rotWithShape="0">
+              <a:srgbClr val="000000">
+                <a:alpha val="63000"/>
+              </a:srgbClr>
+            </a:outerShdw>
+          </a:effectLst>
+        </a:effectStyle>
+      </a:effectStyleLst>
+      <a:bgFillStyleLst>
+        <a:solidFill>
+          <a:schemeClr val="phClr"/>
+        </a:solidFill>
+        <a:solidFill>
+          <a:schemeClr val="phClr">
+            <a:tint val="95000"/>
+            <a:satMod val="170000"/>
+          </a:schemeClr>
+        </a:solidFill>
+        <a:gradFill rotWithShape="1">
+          <a:gsLst>
+            <a:gs pos="0">
+              <a:schemeClr val="phClr">
+                <a:tint val="93000"/>
+                <a:satMod val="150000"/>
+                <a:shade val="98000"/>
+                <a:lumMod val="102000"/>
+              </a:schemeClr>
+            </a:gs>
+            <a:gs pos="50000">
+              <a:schemeClr val="phClr">
+                <a:tint val="98000"/>
+                <a:satMod val="130000"/>
+                <a:shade val="90000"/>
+                <a:lumMod val="103000"/>
+              </a:schemeClr>
+            </a:gs>
+            <a:gs pos="100000">
+              <a:schemeClr val="phClr">
+                <a:shade val="63000"/>
+                <a:satMod val="120000"/>
+              </a:schemeClr>
+            </a:gs>
+          </a:gsLst>
+          <a:lin ang="5400000" scaled="0"/>
+        </a:gradFill>
+      </a:bgFillStyleLst>
+    </a:fmtScheme>
+  </a:themeElements>
+  <a:objectDefaults/>
+  <a:extraClrSchemeLst/>
+  <a:extLst>
+    <a:ext uri="{05A4C25C-085E-4340-85A3-A5531E510DB2}">
+      <thm15:themeFamily xmlns:thm15="http://schemas.microsoft.com/office/thememl/2012/main" name="Office Theme" id="{62F939B6-93AF-4DB8-9C6B-D6C7DFDC589F}" vid="{4A3C46E8-61CC-4603-A589-7422A47A8E4A}"/>
+    </a:ext>
+  </a:extLst>
+</a:theme>
 </file>